--- a/tjx.pptx
+++ b/tjx.pptx
@@ -1203,7 +1203,7 @@
   <p:cSld>
     <p:spTree>
       <p:nvGrpSpPr>
-        <p:cNvPr id="157" name="Shape 157"/>
+        <p:cNvPr id="160" name="Shape 160"/>
         <p:cNvGrpSpPr/>
         <p:nvPr/>
       </p:nvGrpSpPr>
@@ -1217,7 +1217,7 @@
       </p:grpSpPr>
       <p:sp>
         <p:nvSpPr>
-          <p:cNvPr id="158" name="Google Shape;158;g258c3860fe0_0_423:notes"/>
+          <p:cNvPr id="161" name="Google Shape;161;g258c3860fe0_0_423:notes"/>
           <p:cNvSpPr/>
           <p:nvPr>
             <p:ph idx="2" type="sldImg"/>
@@ -1252,7 +1252,7 @@
       </p:sp>
       <p:sp>
         <p:nvSpPr>
-          <p:cNvPr id="159" name="Google Shape;159;g258c3860fe0_0_423:notes"/>
+          <p:cNvPr id="162" name="Google Shape;162;g258c3860fe0_0_423:notes"/>
           <p:cNvSpPr txBox="1"/>
           <p:nvPr>
             <p:ph idx="1" type="body"/>
@@ -1302,7 +1302,7 @@
   <p:cSld>
     <p:spTree>
       <p:nvGrpSpPr>
-        <p:cNvPr id="163" name="Shape 163"/>
+        <p:cNvPr id="166" name="Shape 166"/>
         <p:cNvGrpSpPr/>
         <p:nvPr/>
       </p:nvGrpSpPr>
@@ -1316,7 +1316,7 @@
       </p:grpSpPr>
       <p:sp>
         <p:nvSpPr>
-          <p:cNvPr id="164" name="Google Shape;164;g258c3860fe0_0_19:notes"/>
+          <p:cNvPr id="167" name="Google Shape;167;g258c3860fe0_0_19:notes"/>
           <p:cNvSpPr/>
           <p:nvPr>
             <p:ph idx="2" type="sldImg"/>
@@ -1351,7 +1351,7 @@
       </p:sp>
       <p:sp>
         <p:nvSpPr>
-          <p:cNvPr id="165" name="Google Shape;165;g258c3860fe0_0_19:notes"/>
+          <p:cNvPr id="168" name="Google Shape;168;g258c3860fe0_0_19:notes"/>
           <p:cNvSpPr txBox="1"/>
           <p:nvPr>
             <p:ph idx="1" type="body"/>
@@ -1401,7 +1401,7 @@
   <p:cSld>
     <p:spTree>
       <p:nvGrpSpPr>
-        <p:cNvPr id="168" name="Shape 168"/>
+        <p:cNvPr id="171" name="Shape 171"/>
         <p:cNvGrpSpPr/>
         <p:nvPr/>
       </p:nvGrpSpPr>
@@ -1415,7 +1415,7 @@
       </p:grpSpPr>
       <p:sp>
         <p:nvSpPr>
-          <p:cNvPr id="169" name="Google Shape;169;g258c3860fe0_0_415:notes"/>
+          <p:cNvPr id="172" name="Google Shape;172;g258c3860fe0_0_415:notes"/>
           <p:cNvSpPr/>
           <p:nvPr>
             <p:ph idx="2" type="sldImg"/>
@@ -1450,7 +1450,7 @@
       </p:sp>
       <p:sp>
         <p:nvSpPr>
-          <p:cNvPr id="170" name="Google Shape;170;g258c3860fe0_0_415:notes"/>
+          <p:cNvPr id="173" name="Google Shape;173;g258c3860fe0_0_415:notes"/>
           <p:cNvSpPr txBox="1"/>
           <p:nvPr>
             <p:ph idx="1" type="body"/>
@@ -1500,7 +1500,7 @@
   <p:cSld>
     <p:spTree>
       <p:nvGrpSpPr>
-        <p:cNvPr id="175" name="Shape 175"/>
+        <p:cNvPr id="178" name="Shape 178"/>
         <p:cNvGrpSpPr/>
         <p:nvPr/>
       </p:nvGrpSpPr>
@@ -1514,7 +1514,7 @@
       </p:grpSpPr>
       <p:sp>
         <p:nvSpPr>
-          <p:cNvPr id="176" name="Google Shape;176;g258c3860fe0_0_7:notes"/>
+          <p:cNvPr id="179" name="Google Shape;179;g258c3860fe0_0_7:notes"/>
           <p:cNvSpPr/>
           <p:nvPr>
             <p:ph idx="2" type="sldImg"/>
@@ -1549,7 +1549,7 @@
       </p:sp>
       <p:sp>
         <p:nvSpPr>
-          <p:cNvPr id="177" name="Google Shape;177;g258c3860fe0_0_7:notes"/>
+          <p:cNvPr id="180" name="Google Shape;180;g258c3860fe0_0_7:notes"/>
           <p:cNvSpPr txBox="1"/>
           <p:nvPr>
             <p:ph idx="1" type="body"/>
@@ -2569,7 +2569,7 @@
             <a:normAutofit/>
           </a:bodyPr>
           <a:lstStyle>
-            <a:lvl1pPr lvl="0" algn="ctr">
+            <a:lvl1pPr lvl="0" rtl="0" algn="ctr">
               <a:spcBef>
                 <a:spcPts val="0"/>
               </a:spcBef>
@@ -2580,7 +2580,7 @@
               <a:buNone/>
               <a:defRPr sz="3800"/>
             </a:lvl1pPr>
-            <a:lvl2pPr lvl="1" algn="ctr">
+            <a:lvl2pPr lvl="1" rtl="0" algn="ctr">
               <a:spcBef>
                 <a:spcPts val="0"/>
               </a:spcBef>
@@ -2591,7 +2591,7 @@
               <a:buNone/>
               <a:defRPr sz="3800"/>
             </a:lvl2pPr>
-            <a:lvl3pPr lvl="2" algn="ctr">
+            <a:lvl3pPr lvl="2" rtl="0" algn="ctr">
               <a:spcBef>
                 <a:spcPts val="0"/>
               </a:spcBef>
@@ -2602,7 +2602,7 @@
               <a:buNone/>
               <a:defRPr sz="3800"/>
             </a:lvl3pPr>
-            <a:lvl4pPr lvl="3" algn="ctr">
+            <a:lvl4pPr lvl="3" rtl="0" algn="ctr">
               <a:spcBef>
                 <a:spcPts val="0"/>
               </a:spcBef>
@@ -2613,7 +2613,7 @@
               <a:buNone/>
               <a:defRPr sz="3800"/>
             </a:lvl4pPr>
-            <a:lvl5pPr lvl="4" algn="ctr">
+            <a:lvl5pPr lvl="4" rtl="0" algn="ctr">
               <a:spcBef>
                 <a:spcPts val="0"/>
               </a:spcBef>
@@ -2624,7 +2624,7 @@
               <a:buNone/>
               <a:defRPr sz="3800"/>
             </a:lvl5pPr>
-            <a:lvl6pPr lvl="5" algn="ctr">
+            <a:lvl6pPr lvl="5" rtl="0" algn="ctr">
               <a:spcBef>
                 <a:spcPts val="0"/>
               </a:spcBef>
@@ -2635,7 +2635,7 @@
               <a:buNone/>
               <a:defRPr sz="3800"/>
             </a:lvl6pPr>
-            <a:lvl7pPr lvl="6" algn="ctr">
+            <a:lvl7pPr lvl="6" rtl="0" algn="ctr">
               <a:spcBef>
                 <a:spcPts val="0"/>
               </a:spcBef>
@@ -2646,7 +2646,7 @@
               <a:buNone/>
               <a:defRPr sz="3800"/>
             </a:lvl7pPr>
-            <a:lvl8pPr lvl="7" algn="ctr">
+            <a:lvl8pPr lvl="7" rtl="0" algn="ctr">
               <a:spcBef>
                 <a:spcPts val="0"/>
               </a:spcBef>
@@ -2657,7 +2657,7 @@
               <a:buNone/>
               <a:defRPr sz="3800"/>
             </a:lvl8pPr>
-            <a:lvl9pPr lvl="8" algn="ctr">
+            <a:lvl9pPr lvl="8" rtl="0" algn="ctr">
               <a:spcBef>
                 <a:spcPts val="0"/>
               </a:spcBef>
@@ -2694,7 +2694,7 @@
             <a:normAutofit/>
           </a:bodyPr>
           <a:lstStyle>
-            <a:lvl1pPr lvl="0" algn="ctr">
+            <a:lvl1pPr lvl="0" rtl="0" algn="ctr">
               <a:lnSpc>
                 <a:spcPct val="100000"/>
               </a:lnSpc>
@@ -2715,7 +2715,7 @@
                 </a:solidFill>
               </a:defRPr>
             </a:lvl1pPr>
-            <a:lvl2pPr lvl="1" algn="ctr">
+            <a:lvl2pPr lvl="1" rtl="0" algn="ctr">
               <a:lnSpc>
                 <a:spcPct val="100000"/>
               </a:lnSpc>
@@ -2736,7 +2736,7 @@
                 </a:solidFill>
               </a:defRPr>
             </a:lvl2pPr>
-            <a:lvl3pPr lvl="2" algn="ctr">
+            <a:lvl3pPr lvl="2" rtl="0" algn="ctr">
               <a:lnSpc>
                 <a:spcPct val="100000"/>
               </a:lnSpc>
@@ -2757,7 +2757,7 @@
                 </a:solidFill>
               </a:defRPr>
             </a:lvl3pPr>
-            <a:lvl4pPr lvl="3" algn="ctr">
+            <a:lvl4pPr lvl="3" rtl="0" algn="ctr">
               <a:lnSpc>
                 <a:spcPct val="100000"/>
               </a:lnSpc>
@@ -2778,7 +2778,7 @@
                 </a:solidFill>
               </a:defRPr>
             </a:lvl4pPr>
-            <a:lvl5pPr lvl="4" algn="ctr">
+            <a:lvl5pPr lvl="4" rtl="0" algn="ctr">
               <a:lnSpc>
                 <a:spcPct val="100000"/>
               </a:lnSpc>
@@ -2799,7 +2799,7 @@
                 </a:solidFill>
               </a:defRPr>
             </a:lvl5pPr>
-            <a:lvl6pPr lvl="5" algn="ctr">
+            <a:lvl6pPr lvl="5" rtl="0" algn="ctr">
               <a:lnSpc>
                 <a:spcPct val="100000"/>
               </a:lnSpc>
@@ -2820,7 +2820,7 @@
                 </a:solidFill>
               </a:defRPr>
             </a:lvl6pPr>
-            <a:lvl7pPr lvl="6" algn="ctr">
+            <a:lvl7pPr lvl="6" rtl="0" algn="ctr">
               <a:lnSpc>
                 <a:spcPct val="100000"/>
               </a:lnSpc>
@@ -2841,7 +2841,7 @@
                 </a:solidFill>
               </a:defRPr>
             </a:lvl7pPr>
-            <a:lvl8pPr lvl="7" algn="ctr">
+            <a:lvl8pPr lvl="7" rtl="0" algn="ctr">
               <a:lnSpc>
                 <a:spcPct val="100000"/>
               </a:lnSpc>
@@ -2862,7 +2862,7 @@
                 </a:solidFill>
               </a:defRPr>
             </a:lvl8pPr>
-            <a:lvl9pPr lvl="8" algn="ctr">
+            <a:lvl9pPr lvl="8" rtl="0" algn="ctr">
               <a:lnSpc>
                 <a:spcPct val="100000"/>
               </a:lnSpc>
@@ -2909,39 +2909,39 @@
             <a:normAutofit/>
           </a:bodyPr>
           <a:lstStyle>
-            <a:lvl1pPr lvl="0">
+            <a:lvl1pPr lvl="0" rtl="0">
               <a:buNone/>
               <a:defRPr/>
             </a:lvl1pPr>
-            <a:lvl2pPr lvl="1">
+            <a:lvl2pPr lvl="1" rtl="0">
               <a:buNone/>
               <a:defRPr/>
             </a:lvl2pPr>
-            <a:lvl3pPr lvl="2">
+            <a:lvl3pPr lvl="2" rtl="0">
               <a:buNone/>
               <a:defRPr/>
             </a:lvl3pPr>
-            <a:lvl4pPr lvl="3">
+            <a:lvl4pPr lvl="3" rtl="0">
               <a:buNone/>
               <a:defRPr/>
             </a:lvl4pPr>
-            <a:lvl5pPr lvl="4">
+            <a:lvl5pPr lvl="4" rtl="0">
               <a:buNone/>
               <a:defRPr/>
             </a:lvl5pPr>
-            <a:lvl6pPr lvl="5">
+            <a:lvl6pPr lvl="5" rtl="0">
               <a:buNone/>
               <a:defRPr/>
             </a:lvl6pPr>
-            <a:lvl7pPr lvl="6">
+            <a:lvl7pPr lvl="6" rtl="0">
               <a:buNone/>
               <a:defRPr/>
             </a:lvl7pPr>
-            <a:lvl8pPr lvl="7">
+            <a:lvl8pPr lvl="7" rtl="0">
               <a:buNone/>
               <a:defRPr/>
             </a:lvl8pPr>
-            <a:lvl9pPr lvl="8">
+            <a:lvl9pPr lvl="8" rtl="0">
               <a:buNone/>
               <a:defRPr/>
             </a:lvl9pPr>
@@ -3361,7 +3361,7 @@
             <a:normAutofit/>
           </a:bodyPr>
           <a:lstStyle>
-            <a:lvl1pPr lvl="0" algn="ctr">
+            <a:lvl1pPr lvl="0" rtl="0" algn="ctr">
               <a:spcBef>
                 <a:spcPts val="0"/>
               </a:spcBef>
@@ -3379,7 +3379,7 @@
                 </a:solidFill>
               </a:defRPr>
             </a:lvl1pPr>
-            <a:lvl2pPr lvl="1" algn="ctr">
+            <a:lvl2pPr lvl="1" rtl="0" algn="ctr">
               <a:spcBef>
                 <a:spcPts val="0"/>
               </a:spcBef>
@@ -3397,7 +3397,7 @@
                 </a:solidFill>
               </a:defRPr>
             </a:lvl2pPr>
-            <a:lvl3pPr lvl="2" algn="ctr">
+            <a:lvl3pPr lvl="2" rtl="0" algn="ctr">
               <a:spcBef>
                 <a:spcPts val="0"/>
               </a:spcBef>
@@ -3415,7 +3415,7 @@
                 </a:solidFill>
               </a:defRPr>
             </a:lvl3pPr>
-            <a:lvl4pPr lvl="3" algn="ctr">
+            <a:lvl4pPr lvl="3" rtl="0" algn="ctr">
               <a:spcBef>
                 <a:spcPts val="0"/>
               </a:spcBef>
@@ -3433,7 +3433,7 @@
                 </a:solidFill>
               </a:defRPr>
             </a:lvl4pPr>
-            <a:lvl5pPr lvl="4" algn="ctr">
+            <a:lvl5pPr lvl="4" rtl="0" algn="ctr">
               <a:spcBef>
                 <a:spcPts val="0"/>
               </a:spcBef>
@@ -3451,7 +3451,7 @@
                 </a:solidFill>
               </a:defRPr>
             </a:lvl5pPr>
-            <a:lvl6pPr lvl="5" algn="ctr">
+            <a:lvl6pPr lvl="5" rtl="0" algn="ctr">
               <a:spcBef>
                 <a:spcPts val="0"/>
               </a:spcBef>
@@ -3469,7 +3469,7 @@
                 </a:solidFill>
               </a:defRPr>
             </a:lvl6pPr>
-            <a:lvl7pPr lvl="6" algn="ctr">
+            <a:lvl7pPr lvl="6" rtl="0" algn="ctr">
               <a:spcBef>
                 <a:spcPts val="0"/>
               </a:spcBef>
@@ -3487,7 +3487,7 @@
                 </a:solidFill>
               </a:defRPr>
             </a:lvl7pPr>
-            <a:lvl8pPr lvl="7" algn="ctr">
+            <a:lvl8pPr lvl="7" rtl="0" algn="ctr">
               <a:spcBef>
                 <a:spcPts val="0"/>
               </a:spcBef>
@@ -3505,7 +3505,7 @@
                 </a:solidFill>
               </a:defRPr>
             </a:lvl8pPr>
-            <a:lvl9pPr lvl="8" algn="ctr">
+            <a:lvl9pPr lvl="8" rtl="0" algn="ctr">
               <a:spcBef>
                 <a:spcPts val="0"/>
               </a:spcBef>
@@ -3553,7 +3553,7 @@
             <a:normAutofit/>
           </a:bodyPr>
           <a:lstStyle>
-            <a:lvl1pPr indent="-311150" lvl="0" marL="457200" algn="ctr">
+            <a:lvl1pPr indent="-311150" lvl="0" marL="457200" rtl="0" algn="ctr">
               <a:spcBef>
                 <a:spcPts val="0"/>
               </a:spcBef>
@@ -3564,7 +3564,7 @@
               <a:buChar char="●"/>
               <a:defRPr/>
             </a:lvl1pPr>
-            <a:lvl2pPr indent="-298450" lvl="1" marL="914400" algn="ctr">
+            <a:lvl2pPr indent="-298450" lvl="1" marL="914400" rtl="0" algn="ctr">
               <a:spcBef>
                 <a:spcPts val="0"/>
               </a:spcBef>
@@ -3575,7 +3575,7 @@
               <a:buChar char="○"/>
               <a:defRPr/>
             </a:lvl2pPr>
-            <a:lvl3pPr indent="-298450" lvl="2" marL="1371600" algn="ctr">
+            <a:lvl3pPr indent="-298450" lvl="2" marL="1371600" rtl="0" algn="ctr">
               <a:spcBef>
                 <a:spcPts val="0"/>
               </a:spcBef>
@@ -3586,7 +3586,7 @@
               <a:buChar char="■"/>
               <a:defRPr/>
             </a:lvl3pPr>
-            <a:lvl4pPr indent="-298450" lvl="3" marL="1828800" algn="ctr">
+            <a:lvl4pPr indent="-298450" lvl="3" marL="1828800" rtl="0" algn="ctr">
               <a:spcBef>
                 <a:spcPts val="0"/>
               </a:spcBef>
@@ -3597,7 +3597,7 @@
               <a:buChar char="●"/>
               <a:defRPr/>
             </a:lvl4pPr>
-            <a:lvl5pPr indent="-298450" lvl="4" marL="2286000" algn="ctr">
+            <a:lvl5pPr indent="-298450" lvl="4" marL="2286000" rtl="0" algn="ctr">
               <a:spcBef>
                 <a:spcPts val="0"/>
               </a:spcBef>
@@ -3608,7 +3608,7 @@
               <a:buChar char="○"/>
               <a:defRPr/>
             </a:lvl5pPr>
-            <a:lvl6pPr indent="-298450" lvl="5" marL="2743200" algn="ctr">
+            <a:lvl6pPr indent="-298450" lvl="5" marL="2743200" rtl="0" algn="ctr">
               <a:spcBef>
                 <a:spcPts val="0"/>
               </a:spcBef>
@@ -3619,7 +3619,7 @@
               <a:buChar char="■"/>
               <a:defRPr/>
             </a:lvl6pPr>
-            <a:lvl7pPr indent="-298450" lvl="6" marL="3200400" algn="ctr">
+            <a:lvl7pPr indent="-298450" lvl="6" marL="3200400" rtl="0" algn="ctr">
               <a:spcBef>
                 <a:spcPts val="0"/>
               </a:spcBef>
@@ -3630,7 +3630,7 @@
               <a:buChar char="●"/>
               <a:defRPr/>
             </a:lvl7pPr>
-            <a:lvl8pPr indent="-298450" lvl="7" marL="3657600" algn="ctr">
+            <a:lvl8pPr indent="-298450" lvl="7" marL="3657600" rtl="0" algn="ctr">
               <a:spcBef>
                 <a:spcPts val="0"/>
               </a:spcBef>
@@ -3641,7 +3641,7 @@
               <a:buChar char="○"/>
               <a:defRPr/>
             </a:lvl8pPr>
-            <a:lvl9pPr indent="-298450" lvl="8" marL="4114800" algn="ctr">
+            <a:lvl9pPr indent="-298450" lvl="8" marL="4114800" rtl="0" algn="ctr">
               <a:spcBef>
                 <a:spcPts val="0"/>
               </a:spcBef>
@@ -3678,39 +3678,39 @@
             <a:normAutofit/>
           </a:bodyPr>
           <a:lstStyle>
-            <a:lvl1pPr lvl="0">
+            <a:lvl1pPr lvl="0" rtl="0">
               <a:buNone/>
               <a:defRPr/>
             </a:lvl1pPr>
-            <a:lvl2pPr lvl="1">
+            <a:lvl2pPr lvl="1" rtl="0">
               <a:buNone/>
               <a:defRPr/>
             </a:lvl2pPr>
-            <a:lvl3pPr lvl="2">
+            <a:lvl3pPr lvl="2" rtl="0">
               <a:buNone/>
               <a:defRPr/>
             </a:lvl3pPr>
-            <a:lvl4pPr lvl="3">
+            <a:lvl4pPr lvl="3" rtl="0">
               <a:buNone/>
               <a:defRPr/>
             </a:lvl4pPr>
-            <a:lvl5pPr lvl="4">
+            <a:lvl5pPr lvl="4" rtl="0">
               <a:buNone/>
               <a:defRPr/>
             </a:lvl5pPr>
-            <a:lvl6pPr lvl="5">
+            <a:lvl6pPr lvl="5" rtl="0">
               <a:buNone/>
               <a:defRPr/>
             </a:lvl6pPr>
-            <a:lvl7pPr lvl="6">
+            <a:lvl7pPr lvl="6" rtl="0">
               <a:buNone/>
               <a:defRPr/>
             </a:lvl7pPr>
-            <a:lvl8pPr lvl="7">
+            <a:lvl8pPr lvl="7" rtl="0">
               <a:buNone/>
               <a:defRPr/>
             </a:lvl8pPr>
-            <a:lvl9pPr lvl="8">
+            <a:lvl9pPr lvl="8" rtl="0">
               <a:buNone/>
               <a:defRPr/>
             </a:lvl9pPr>
@@ -3780,39 +3780,39 @@
             <a:normAutofit/>
           </a:bodyPr>
           <a:lstStyle>
-            <a:lvl1pPr lvl="0">
+            <a:lvl1pPr lvl="0" rtl="0">
               <a:buNone/>
               <a:defRPr/>
             </a:lvl1pPr>
-            <a:lvl2pPr lvl="1">
+            <a:lvl2pPr lvl="1" rtl="0">
               <a:buNone/>
               <a:defRPr/>
             </a:lvl2pPr>
-            <a:lvl3pPr lvl="2">
+            <a:lvl3pPr lvl="2" rtl="0">
               <a:buNone/>
               <a:defRPr/>
             </a:lvl3pPr>
-            <a:lvl4pPr lvl="3">
+            <a:lvl4pPr lvl="3" rtl="0">
               <a:buNone/>
               <a:defRPr/>
             </a:lvl4pPr>
-            <a:lvl5pPr lvl="4">
+            <a:lvl5pPr lvl="4" rtl="0">
               <a:buNone/>
               <a:defRPr/>
             </a:lvl5pPr>
-            <a:lvl6pPr lvl="5">
+            <a:lvl6pPr lvl="5" rtl="0">
               <a:buNone/>
               <a:defRPr/>
             </a:lvl6pPr>
-            <a:lvl7pPr lvl="6">
+            <a:lvl7pPr lvl="6" rtl="0">
               <a:buNone/>
               <a:defRPr/>
             </a:lvl7pPr>
-            <a:lvl8pPr lvl="7">
+            <a:lvl8pPr lvl="7" rtl="0">
               <a:buNone/>
               <a:defRPr/>
             </a:lvl8pPr>
-            <a:lvl9pPr lvl="8">
+            <a:lvl9pPr lvl="8" rtl="0">
               <a:buNone/>
               <a:defRPr/>
             </a:lvl9pPr>
@@ -4232,7 +4232,7 @@
             <a:normAutofit/>
           </a:bodyPr>
           <a:lstStyle>
-            <a:lvl1pPr lvl="0" algn="ctr">
+            <a:lvl1pPr lvl="0" rtl="0" algn="ctr">
               <a:spcBef>
                 <a:spcPts val="0"/>
               </a:spcBef>
@@ -4250,7 +4250,7 @@
                 </a:solidFill>
               </a:defRPr>
             </a:lvl1pPr>
-            <a:lvl2pPr lvl="1" algn="ctr">
+            <a:lvl2pPr lvl="1" rtl="0" algn="ctr">
               <a:spcBef>
                 <a:spcPts val="0"/>
               </a:spcBef>
@@ -4268,7 +4268,7 @@
                 </a:solidFill>
               </a:defRPr>
             </a:lvl2pPr>
-            <a:lvl3pPr lvl="2" algn="ctr">
+            <a:lvl3pPr lvl="2" rtl="0" algn="ctr">
               <a:spcBef>
                 <a:spcPts val="0"/>
               </a:spcBef>
@@ -4286,7 +4286,7 @@
                 </a:solidFill>
               </a:defRPr>
             </a:lvl3pPr>
-            <a:lvl4pPr lvl="3" algn="ctr">
+            <a:lvl4pPr lvl="3" rtl="0" algn="ctr">
               <a:spcBef>
                 <a:spcPts val="0"/>
               </a:spcBef>
@@ -4304,7 +4304,7 @@
                 </a:solidFill>
               </a:defRPr>
             </a:lvl4pPr>
-            <a:lvl5pPr lvl="4" algn="ctr">
+            <a:lvl5pPr lvl="4" rtl="0" algn="ctr">
               <a:spcBef>
                 <a:spcPts val="0"/>
               </a:spcBef>
@@ -4322,7 +4322,7 @@
                 </a:solidFill>
               </a:defRPr>
             </a:lvl5pPr>
-            <a:lvl6pPr lvl="5" algn="ctr">
+            <a:lvl6pPr lvl="5" rtl="0" algn="ctr">
               <a:spcBef>
                 <a:spcPts val="0"/>
               </a:spcBef>
@@ -4340,7 +4340,7 @@
                 </a:solidFill>
               </a:defRPr>
             </a:lvl6pPr>
-            <a:lvl7pPr lvl="6" algn="ctr">
+            <a:lvl7pPr lvl="6" rtl="0" algn="ctr">
               <a:spcBef>
                 <a:spcPts val="0"/>
               </a:spcBef>
@@ -4358,7 +4358,7 @@
                 </a:solidFill>
               </a:defRPr>
             </a:lvl7pPr>
-            <a:lvl8pPr lvl="7" algn="ctr">
+            <a:lvl8pPr lvl="7" rtl="0" algn="ctr">
               <a:spcBef>
                 <a:spcPts val="0"/>
               </a:spcBef>
@@ -4376,7 +4376,7 @@
                 </a:solidFill>
               </a:defRPr>
             </a:lvl8pPr>
-            <a:lvl9pPr lvl="8" algn="ctr">
+            <a:lvl9pPr lvl="8" rtl="0" algn="ctr">
               <a:spcBef>
                 <a:spcPts val="0"/>
               </a:spcBef>
@@ -4420,39 +4420,39 @@
             <a:normAutofit/>
           </a:bodyPr>
           <a:lstStyle>
-            <a:lvl1pPr lvl="0">
+            <a:lvl1pPr lvl="0" rtl="0">
               <a:buNone/>
               <a:defRPr/>
             </a:lvl1pPr>
-            <a:lvl2pPr lvl="1">
+            <a:lvl2pPr lvl="1" rtl="0">
               <a:buNone/>
               <a:defRPr/>
             </a:lvl2pPr>
-            <a:lvl3pPr lvl="2">
+            <a:lvl3pPr lvl="2" rtl="0">
               <a:buNone/>
               <a:defRPr/>
             </a:lvl3pPr>
-            <a:lvl4pPr lvl="3">
+            <a:lvl4pPr lvl="3" rtl="0">
               <a:buNone/>
               <a:defRPr/>
             </a:lvl4pPr>
-            <a:lvl5pPr lvl="4">
+            <a:lvl5pPr lvl="4" rtl="0">
               <a:buNone/>
               <a:defRPr/>
             </a:lvl5pPr>
-            <a:lvl6pPr lvl="5">
+            <a:lvl6pPr lvl="5" rtl="0">
               <a:buNone/>
               <a:defRPr/>
             </a:lvl6pPr>
-            <a:lvl7pPr lvl="6">
+            <a:lvl7pPr lvl="6" rtl="0">
               <a:buNone/>
               <a:defRPr/>
             </a:lvl7pPr>
-            <a:lvl8pPr lvl="7">
+            <a:lvl8pPr lvl="7" rtl="0">
               <a:buNone/>
               <a:defRPr/>
             </a:lvl8pPr>
-            <a:lvl9pPr lvl="8">
+            <a:lvl9pPr lvl="8" rtl="0">
               <a:buNone/>
               <a:defRPr/>
             </a:lvl9pPr>
@@ -4665,7 +4665,7 @@
             <a:normAutofit/>
           </a:bodyPr>
           <a:lstStyle>
-            <a:lvl1pPr lvl="0">
+            <a:lvl1pPr lvl="0" rtl="0">
               <a:spcBef>
                 <a:spcPts val="0"/>
               </a:spcBef>
@@ -4676,7 +4676,7 @@
               <a:buNone/>
               <a:defRPr sz="3000"/>
             </a:lvl1pPr>
-            <a:lvl2pPr lvl="1">
+            <a:lvl2pPr lvl="1" rtl="0">
               <a:spcBef>
                 <a:spcPts val="0"/>
               </a:spcBef>
@@ -4687,7 +4687,7 @@
               <a:buNone/>
               <a:defRPr sz="3000"/>
             </a:lvl2pPr>
-            <a:lvl3pPr lvl="2">
+            <a:lvl3pPr lvl="2" rtl="0">
               <a:spcBef>
                 <a:spcPts val="0"/>
               </a:spcBef>
@@ -4698,7 +4698,7 @@
               <a:buNone/>
               <a:defRPr sz="3000"/>
             </a:lvl3pPr>
-            <a:lvl4pPr lvl="3">
+            <a:lvl4pPr lvl="3" rtl="0">
               <a:spcBef>
                 <a:spcPts val="0"/>
               </a:spcBef>
@@ -4709,7 +4709,7 @@
               <a:buNone/>
               <a:defRPr sz="3000"/>
             </a:lvl4pPr>
-            <a:lvl5pPr lvl="4">
+            <a:lvl5pPr lvl="4" rtl="0">
               <a:spcBef>
                 <a:spcPts val="0"/>
               </a:spcBef>
@@ -4720,7 +4720,7 @@
               <a:buNone/>
               <a:defRPr sz="3000"/>
             </a:lvl5pPr>
-            <a:lvl6pPr lvl="5">
+            <a:lvl6pPr lvl="5" rtl="0">
               <a:spcBef>
                 <a:spcPts val="0"/>
               </a:spcBef>
@@ -4731,7 +4731,7 @@
               <a:buNone/>
               <a:defRPr sz="3000"/>
             </a:lvl6pPr>
-            <a:lvl7pPr lvl="6">
+            <a:lvl7pPr lvl="6" rtl="0">
               <a:spcBef>
                 <a:spcPts val="0"/>
               </a:spcBef>
@@ -4742,7 +4742,7 @@
               <a:buNone/>
               <a:defRPr sz="3000"/>
             </a:lvl7pPr>
-            <a:lvl8pPr lvl="7">
+            <a:lvl8pPr lvl="7" rtl="0">
               <a:spcBef>
                 <a:spcPts val="0"/>
               </a:spcBef>
@@ -4753,7 +4753,7 @@
               <a:buNone/>
               <a:defRPr sz="3000"/>
             </a:lvl8pPr>
-            <a:lvl9pPr lvl="8">
+            <a:lvl9pPr lvl="8" rtl="0">
               <a:spcBef>
                 <a:spcPts val="0"/>
               </a:spcBef>
@@ -4790,7 +4790,7 @@
             <a:normAutofit/>
           </a:bodyPr>
           <a:lstStyle>
-            <a:lvl1pPr indent="-311150" lvl="0" marL="457200">
+            <a:lvl1pPr indent="-311150" lvl="0" marL="457200" rtl="0">
               <a:spcBef>
                 <a:spcPts val="0"/>
               </a:spcBef>
@@ -4801,7 +4801,7 @@
               <a:buChar char="●"/>
               <a:defRPr/>
             </a:lvl1pPr>
-            <a:lvl2pPr indent="-298450" lvl="1" marL="914400">
+            <a:lvl2pPr indent="-298450" lvl="1" marL="914400" rtl="0">
               <a:spcBef>
                 <a:spcPts val="0"/>
               </a:spcBef>
@@ -4812,7 +4812,7 @@
               <a:buChar char="○"/>
               <a:defRPr/>
             </a:lvl2pPr>
-            <a:lvl3pPr indent="-298450" lvl="2" marL="1371600">
+            <a:lvl3pPr indent="-298450" lvl="2" marL="1371600" rtl="0">
               <a:spcBef>
                 <a:spcPts val="0"/>
               </a:spcBef>
@@ -4823,7 +4823,7 @@
               <a:buChar char="■"/>
               <a:defRPr/>
             </a:lvl3pPr>
-            <a:lvl4pPr indent="-298450" lvl="3" marL="1828800">
+            <a:lvl4pPr indent="-298450" lvl="3" marL="1828800" rtl="0">
               <a:spcBef>
                 <a:spcPts val="0"/>
               </a:spcBef>
@@ -4834,7 +4834,7 @@
               <a:buChar char="●"/>
               <a:defRPr/>
             </a:lvl4pPr>
-            <a:lvl5pPr indent="-298450" lvl="4" marL="2286000">
+            <a:lvl5pPr indent="-298450" lvl="4" marL="2286000" rtl="0">
               <a:spcBef>
                 <a:spcPts val="0"/>
               </a:spcBef>
@@ -4845,7 +4845,7 @@
               <a:buChar char="○"/>
               <a:defRPr/>
             </a:lvl5pPr>
-            <a:lvl6pPr indent="-298450" lvl="5" marL="2743200">
+            <a:lvl6pPr indent="-298450" lvl="5" marL="2743200" rtl="0">
               <a:spcBef>
                 <a:spcPts val="0"/>
               </a:spcBef>
@@ -4856,7 +4856,7 @@
               <a:buChar char="■"/>
               <a:defRPr/>
             </a:lvl6pPr>
-            <a:lvl7pPr indent="-298450" lvl="6" marL="3200400">
+            <a:lvl7pPr indent="-298450" lvl="6" marL="3200400" rtl="0">
               <a:spcBef>
                 <a:spcPts val="0"/>
               </a:spcBef>
@@ -4867,7 +4867,7 @@
               <a:buChar char="●"/>
               <a:defRPr/>
             </a:lvl7pPr>
-            <a:lvl8pPr indent="-298450" lvl="7" marL="3657600">
+            <a:lvl8pPr indent="-298450" lvl="7" marL="3657600" rtl="0">
               <a:spcBef>
                 <a:spcPts val="0"/>
               </a:spcBef>
@@ -4878,7 +4878,7 @@
               <a:buChar char="○"/>
               <a:defRPr/>
             </a:lvl8pPr>
-            <a:lvl9pPr indent="-298450" lvl="8" marL="4114800">
+            <a:lvl9pPr indent="-298450" lvl="8" marL="4114800" rtl="0">
               <a:spcBef>
                 <a:spcPts val="0"/>
               </a:spcBef>
@@ -4915,39 +4915,39 @@
             <a:normAutofit/>
           </a:bodyPr>
           <a:lstStyle>
-            <a:lvl1pPr lvl="0">
+            <a:lvl1pPr lvl="0" rtl="0">
               <a:buNone/>
               <a:defRPr/>
             </a:lvl1pPr>
-            <a:lvl2pPr lvl="1">
+            <a:lvl2pPr lvl="1" rtl="0">
               <a:buNone/>
               <a:defRPr/>
             </a:lvl2pPr>
-            <a:lvl3pPr lvl="2">
+            <a:lvl3pPr lvl="2" rtl="0">
               <a:buNone/>
               <a:defRPr/>
             </a:lvl3pPr>
-            <a:lvl4pPr lvl="3">
+            <a:lvl4pPr lvl="3" rtl="0">
               <a:buNone/>
               <a:defRPr/>
             </a:lvl4pPr>
-            <a:lvl5pPr lvl="4">
+            <a:lvl5pPr lvl="4" rtl="0">
               <a:buNone/>
               <a:defRPr/>
             </a:lvl5pPr>
-            <a:lvl6pPr lvl="5">
+            <a:lvl6pPr lvl="5" rtl="0">
               <a:buNone/>
               <a:defRPr/>
             </a:lvl6pPr>
-            <a:lvl7pPr lvl="6">
+            <a:lvl7pPr lvl="6" rtl="0">
               <a:buNone/>
               <a:defRPr/>
             </a:lvl7pPr>
-            <a:lvl8pPr lvl="7">
+            <a:lvl8pPr lvl="7" rtl="0">
               <a:buNone/>
               <a:defRPr/>
             </a:lvl8pPr>
-            <a:lvl9pPr lvl="8">
+            <a:lvl9pPr lvl="8" rtl="0">
               <a:buNone/>
               <a:defRPr/>
             </a:lvl9pPr>
@@ -5160,7 +5160,7 @@
             <a:normAutofit/>
           </a:bodyPr>
           <a:lstStyle>
-            <a:lvl1pPr lvl="0">
+            <a:lvl1pPr lvl="0" rtl="0">
               <a:spcBef>
                 <a:spcPts val="0"/>
               </a:spcBef>
@@ -5171,7 +5171,7 @@
               <a:buNone/>
               <a:defRPr sz="3000"/>
             </a:lvl1pPr>
-            <a:lvl2pPr lvl="1">
+            <a:lvl2pPr lvl="1" rtl="0">
               <a:spcBef>
                 <a:spcPts val="0"/>
               </a:spcBef>
@@ -5182,7 +5182,7 @@
               <a:buNone/>
               <a:defRPr sz="3000"/>
             </a:lvl2pPr>
-            <a:lvl3pPr lvl="2">
+            <a:lvl3pPr lvl="2" rtl="0">
               <a:spcBef>
                 <a:spcPts val="0"/>
               </a:spcBef>
@@ -5193,7 +5193,7 @@
               <a:buNone/>
               <a:defRPr sz="3000"/>
             </a:lvl3pPr>
-            <a:lvl4pPr lvl="3">
+            <a:lvl4pPr lvl="3" rtl="0">
               <a:spcBef>
                 <a:spcPts val="0"/>
               </a:spcBef>
@@ -5204,7 +5204,7 @@
               <a:buNone/>
               <a:defRPr sz="3000"/>
             </a:lvl4pPr>
-            <a:lvl5pPr lvl="4">
+            <a:lvl5pPr lvl="4" rtl="0">
               <a:spcBef>
                 <a:spcPts val="0"/>
               </a:spcBef>
@@ -5215,7 +5215,7 @@
               <a:buNone/>
               <a:defRPr sz="3000"/>
             </a:lvl5pPr>
-            <a:lvl6pPr lvl="5">
+            <a:lvl6pPr lvl="5" rtl="0">
               <a:spcBef>
                 <a:spcPts val="0"/>
               </a:spcBef>
@@ -5226,7 +5226,7 @@
               <a:buNone/>
               <a:defRPr sz="3000"/>
             </a:lvl6pPr>
-            <a:lvl7pPr lvl="6">
+            <a:lvl7pPr lvl="6" rtl="0">
               <a:spcBef>
                 <a:spcPts val="0"/>
               </a:spcBef>
@@ -5237,7 +5237,7 @@
               <a:buNone/>
               <a:defRPr sz="3000"/>
             </a:lvl7pPr>
-            <a:lvl8pPr lvl="7">
+            <a:lvl8pPr lvl="7" rtl="0">
               <a:spcBef>
                 <a:spcPts val="0"/>
               </a:spcBef>
@@ -5248,7 +5248,7 @@
               <a:buNone/>
               <a:defRPr sz="3000"/>
             </a:lvl8pPr>
-            <a:lvl9pPr lvl="8">
+            <a:lvl9pPr lvl="8" rtl="0">
               <a:spcBef>
                 <a:spcPts val="0"/>
               </a:spcBef>
@@ -5285,7 +5285,7 @@
             <a:normAutofit/>
           </a:bodyPr>
           <a:lstStyle>
-            <a:lvl1pPr indent="-311150" lvl="0" marL="457200">
+            <a:lvl1pPr indent="-311150" lvl="0" marL="457200" rtl="0">
               <a:spcBef>
                 <a:spcPts val="0"/>
               </a:spcBef>
@@ -5296,7 +5296,7 @@
               <a:buChar char="●"/>
               <a:defRPr/>
             </a:lvl1pPr>
-            <a:lvl2pPr indent="-298450" lvl="1" marL="914400">
+            <a:lvl2pPr indent="-298450" lvl="1" marL="914400" rtl="0">
               <a:spcBef>
                 <a:spcPts val="0"/>
               </a:spcBef>
@@ -5307,7 +5307,7 @@
               <a:buChar char="○"/>
               <a:defRPr/>
             </a:lvl2pPr>
-            <a:lvl3pPr indent="-298450" lvl="2" marL="1371600">
+            <a:lvl3pPr indent="-298450" lvl="2" marL="1371600" rtl="0">
               <a:spcBef>
                 <a:spcPts val="0"/>
               </a:spcBef>
@@ -5318,7 +5318,7 @@
               <a:buChar char="■"/>
               <a:defRPr/>
             </a:lvl3pPr>
-            <a:lvl4pPr indent="-298450" lvl="3" marL="1828800">
+            <a:lvl4pPr indent="-298450" lvl="3" marL="1828800" rtl="0">
               <a:spcBef>
                 <a:spcPts val="0"/>
               </a:spcBef>
@@ -5329,7 +5329,7 @@
               <a:buChar char="●"/>
               <a:defRPr/>
             </a:lvl4pPr>
-            <a:lvl5pPr indent="-298450" lvl="4" marL="2286000">
+            <a:lvl5pPr indent="-298450" lvl="4" marL="2286000" rtl="0">
               <a:spcBef>
                 <a:spcPts val="0"/>
               </a:spcBef>
@@ -5340,7 +5340,7 @@
               <a:buChar char="○"/>
               <a:defRPr/>
             </a:lvl5pPr>
-            <a:lvl6pPr indent="-298450" lvl="5" marL="2743200">
+            <a:lvl6pPr indent="-298450" lvl="5" marL="2743200" rtl="0">
               <a:spcBef>
                 <a:spcPts val="0"/>
               </a:spcBef>
@@ -5351,7 +5351,7 @@
               <a:buChar char="■"/>
               <a:defRPr/>
             </a:lvl6pPr>
-            <a:lvl7pPr indent="-298450" lvl="6" marL="3200400">
+            <a:lvl7pPr indent="-298450" lvl="6" marL="3200400" rtl="0">
               <a:spcBef>
                 <a:spcPts val="0"/>
               </a:spcBef>
@@ -5362,7 +5362,7 @@
               <a:buChar char="●"/>
               <a:defRPr/>
             </a:lvl7pPr>
-            <a:lvl8pPr indent="-298450" lvl="7" marL="3657600">
+            <a:lvl8pPr indent="-298450" lvl="7" marL="3657600" rtl="0">
               <a:spcBef>
                 <a:spcPts val="0"/>
               </a:spcBef>
@@ -5373,7 +5373,7 @@
               <a:buChar char="○"/>
               <a:defRPr/>
             </a:lvl8pPr>
-            <a:lvl9pPr indent="-298450" lvl="8" marL="4114800">
+            <a:lvl9pPr indent="-298450" lvl="8" marL="4114800" rtl="0">
               <a:spcBef>
                 <a:spcPts val="0"/>
               </a:spcBef>
@@ -5410,7 +5410,7 @@
             <a:normAutofit/>
           </a:bodyPr>
           <a:lstStyle>
-            <a:lvl1pPr indent="-311150" lvl="0" marL="457200">
+            <a:lvl1pPr indent="-311150" lvl="0" marL="457200" rtl="0">
               <a:spcBef>
                 <a:spcPts val="0"/>
               </a:spcBef>
@@ -5421,7 +5421,7 @@
               <a:buChar char="●"/>
               <a:defRPr/>
             </a:lvl1pPr>
-            <a:lvl2pPr indent="-298450" lvl="1" marL="914400">
+            <a:lvl2pPr indent="-298450" lvl="1" marL="914400" rtl="0">
               <a:spcBef>
                 <a:spcPts val="0"/>
               </a:spcBef>
@@ -5432,7 +5432,7 @@
               <a:buChar char="○"/>
               <a:defRPr/>
             </a:lvl2pPr>
-            <a:lvl3pPr indent="-298450" lvl="2" marL="1371600">
+            <a:lvl3pPr indent="-298450" lvl="2" marL="1371600" rtl="0">
               <a:spcBef>
                 <a:spcPts val="0"/>
               </a:spcBef>
@@ -5443,7 +5443,7 @@
               <a:buChar char="■"/>
               <a:defRPr/>
             </a:lvl3pPr>
-            <a:lvl4pPr indent="-298450" lvl="3" marL="1828800">
+            <a:lvl4pPr indent="-298450" lvl="3" marL="1828800" rtl="0">
               <a:spcBef>
                 <a:spcPts val="0"/>
               </a:spcBef>
@@ -5454,7 +5454,7 @@
               <a:buChar char="●"/>
               <a:defRPr/>
             </a:lvl4pPr>
-            <a:lvl5pPr indent="-298450" lvl="4" marL="2286000">
+            <a:lvl5pPr indent="-298450" lvl="4" marL="2286000" rtl="0">
               <a:spcBef>
                 <a:spcPts val="0"/>
               </a:spcBef>
@@ -5465,7 +5465,7 @@
               <a:buChar char="○"/>
               <a:defRPr/>
             </a:lvl5pPr>
-            <a:lvl6pPr indent="-298450" lvl="5" marL="2743200">
+            <a:lvl6pPr indent="-298450" lvl="5" marL="2743200" rtl="0">
               <a:spcBef>
                 <a:spcPts val="0"/>
               </a:spcBef>
@@ -5476,7 +5476,7 @@
               <a:buChar char="■"/>
               <a:defRPr/>
             </a:lvl6pPr>
-            <a:lvl7pPr indent="-298450" lvl="6" marL="3200400">
+            <a:lvl7pPr indent="-298450" lvl="6" marL="3200400" rtl="0">
               <a:spcBef>
                 <a:spcPts val="0"/>
               </a:spcBef>
@@ -5487,7 +5487,7 @@
               <a:buChar char="●"/>
               <a:defRPr/>
             </a:lvl7pPr>
-            <a:lvl8pPr indent="-298450" lvl="7" marL="3657600">
+            <a:lvl8pPr indent="-298450" lvl="7" marL="3657600" rtl="0">
               <a:spcBef>
                 <a:spcPts val="0"/>
               </a:spcBef>
@@ -5498,7 +5498,7 @@
               <a:buChar char="○"/>
               <a:defRPr/>
             </a:lvl8pPr>
-            <a:lvl9pPr indent="-298450" lvl="8" marL="4114800">
+            <a:lvl9pPr indent="-298450" lvl="8" marL="4114800" rtl="0">
               <a:spcBef>
                 <a:spcPts val="0"/>
               </a:spcBef>
@@ -5535,39 +5535,39 @@
             <a:normAutofit/>
           </a:bodyPr>
           <a:lstStyle>
-            <a:lvl1pPr lvl="0">
+            <a:lvl1pPr lvl="0" rtl="0">
               <a:buNone/>
               <a:defRPr/>
             </a:lvl1pPr>
-            <a:lvl2pPr lvl="1">
+            <a:lvl2pPr lvl="1" rtl="0">
               <a:buNone/>
               <a:defRPr/>
             </a:lvl2pPr>
-            <a:lvl3pPr lvl="2">
+            <a:lvl3pPr lvl="2" rtl="0">
               <a:buNone/>
               <a:defRPr/>
             </a:lvl3pPr>
-            <a:lvl4pPr lvl="3">
+            <a:lvl4pPr lvl="3" rtl="0">
               <a:buNone/>
               <a:defRPr/>
             </a:lvl4pPr>
-            <a:lvl5pPr lvl="4">
+            <a:lvl5pPr lvl="4" rtl="0">
               <a:buNone/>
               <a:defRPr/>
             </a:lvl5pPr>
-            <a:lvl6pPr lvl="5">
+            <a:lvl6pPr lvl="5" rtl="0">
               <a:buNone/>
               <a:defRPr/>
             </a:lvl6pPr>
-            <a:lvl7pPr lvl="6">
+            <a:lvl7pPr lvl="6" rtl="0">
               <a:buNone/>
               <a:defRPr/>
             </a:lvl7pPr>
-            <a:lvl8pPr lvl="7">
+            <a:lvl8pPr lvl="7" rtl="0">
               <a:buNone/>
               <a:defRPr/>
             </a:lvl8pPr>
-            <a:lvl9pPr lvl="8">
+            <a:lvl9pPr lvl="8" rtl="0">
               <a:buNone/>
               <a:defRPr/>
             </a:lvl9pPr>
@@ -5780,7 +5780,7 @@
             <a:normAutofit/>
           </a:bodyPr>
           <a:lstStyle>
-            <a:lvl1pPr lvl="0">
+            <a:lvl1pPr lvl="0" rtl="0">
               <a:spcBef>
                 <a:spcPts val="0"/>
               </a:spcBef>
@@ -5791,7 +5791,7 @@
               <a:buNone/>
               <a:defRPr sz="3000"/>
             </a:lvl1pPr>
-            <a:lvl2pPr lvl="1">
+            <a:lvl2pPr lvl="1" rtl="0">
               <a:spcBef>
                 <a:spcPts val="0"/>
               </a:spcBef>
@@ -5802,7 +5802,7 @@
               <a:buNone/>
               <a:defRPr sz="3000"/>
             </a:lvl2pPr>
-            <a:lvl3pPr lvl="2">
+            <a:lvl3pPr lvl="2" rtl="0">
               <a:spcBef>
                 <a:spcPts val="0"/>
               </a:spcBef>
@@ -5813,7 +5813,7 @@
               <a:buNone/>
               <a:defRPr sz="3000"/>
             </a:lvl3pPr>
-            <a:lvl4pPr lvl="3">
+            <a:lvl4pPr lvl="3" rtl="0">
               <a:spcBef>
                 <a:spcPts val="0"/>
               </a:spcBef>
@@ -5824,7 +5824,7 @@
               <a:buNone/>
               <a:defRPr sz="3000"/>
             </a:lvl4pPr>
-            <a:lvl5pPr lvl="4">
+            <a:lvl5pPr lvl="4" rtl="0">
               <a:spcBef>
                 <a:spcPts val="0"/>
               </a:spcBef>
@@ -5835,7 +5835,7 @@
               <a:buNone/>
               <a:defRPr sz="3000"/>
             </a:lvl5pPr>
-            <a:lvl6pPr lvl="5">
+            <a:lvl6pPr lvl="5" rtl="0">
               <a:spcBef>
                 <a:spcPts val="0"/>
               </a:spcBef>
@@ -5846,7 +5846,7 @@
               <a:buNone/>
               <a:defRPr sz="3000"/>
             </a:lvl6pPr>
-            <a:lvl7pPr lvl="6">
+            <a:lvl7pPr lvl="6" rtl="0">
               <a:spcBef>
                 <a:spcPts val="0"/>
               </a:spcBef>
@@ -5857,7 +5857,7 @@
               <a:buNone/>
               <a:defRPr sz="3000"/>
             </a:lvl7pPr>
-            <a:lvl8pPr lvl="7">
+            <a:lvl8pPr lvl="7" rtl="0">
               <a:spcBef>
                 <a:spcPts val="0"/>
               </a:spcBef>
@@ -5868,7 +5868,7 @@
               <a:buNone/>
               <a:defRPr sz="3000"/>
             </a:lvl8pPr>
-            <a:lvl9pPr lvl="8">
+            <a:lvl9pPr lvl="8" rtl="0">
               <a:spcBef>
                 <a:spcPts val="0"/>
               </a:spcBef>
@@ -5905,39 +5905,39 @@
             <a:normAutofit/>
           </a:bodyPr>
           <a:lstStyle>
-            <a:lvl1pPr lvl="0">
+            <a:lvl1pPr lvl="0" rtl="0">
               <a:buNone/>
               <a:defRPr/>
             </a:lvl1pPr>
-            <a:lvl2pPr lvl="1">
+            <a:lvl2pPr lvl="1" rtl="0">
               <a:buNone/>
               <a:defRPr/>
             </a:lvl2pPr>
-            <a:lvl3pPr lvl="2">
+            <a:lvl3pPr lvl="2" rtl="0">
               <a:buNone/>
               <a:defRPr/>
             </a:lvl3pPr>
-            <a:lvl4pPr lvl="3">
+            <a:lvl4pPr lvl="3" rtl="0">
               <a:buNone/>
               <a:defRPr/>
             </a:lvl4pPr>
-            <a:lvl5pPr lvl="4">
+            <a:lvl5pPr lvl="4" rtl="0">
               <a:buNone/>
               <a:defRPr/>
             </a:lvl5pPr>
-            <a:lvl6pPr lvl="5">
+            <a:lvl6pPr lvl="5" rtl="0">
               <a:buNone/>
               <a:defRPr/>
             </a:lvl6pPr>
-            <a:lvl7pPr lvl="6">
+            <a:lvl7pPr lvl="6" rtl="0">
               <a:buNone/>
               <a:defRPr/>
             </a:lvl7pPr>
-            <a:lvl8pPr lvl="7">
+            <a:lvl8pPr lvl="7" rtl="0">
               <a:buNone/>
               <a:defRPr/>
             </a:lvl8pPr>
-            <a:lvl9pPr lvl="8">
+            <a:lvl9pPr lvl="8" rtl="0">
               <a:buNone/>
               <a:defRPr/>
             </a:lvl9pPr>
@@ -6150,7 +6150,7 @@
             <a:normAutofit/>
           </a:bodyPr>
           <a:lstStyle>
-            <a:lvl1pPr lvl="0">
+            <a:lvl1pPr lvl="0" rtl="0">
               <a:spcBef>
                 <a:spcPts val="0"/>
               </a:spcBef>
@@ -6161,7 +6161,7 @@
               <a:buNone/>
               <a:defRPr sz="3000"/>
             </a:lvl1pPr>
-            <a:lvl2pPr lvl="1">
+            <a:lvl2pPr lvl="1" rtl="0">
               <a:spcBef>
                 <a:spcPts val="0"/>
               </a:spcBef>
@@ -6172,7 +6172,7 @@
               <a:buNone/>
               <a:defRPr sz="3000"/>
             </a:lvl2pPr>
-            <a:lvl3pPr lvl="2">
+            <a:lvl3pPr lvl="2" rtl="0">
               <a:spcBef>
                 <a:spcPts val="0"/>
               </a:spcBef>
@@ -6183,7 +6183,7 @@
               <a:buNone/>
               <a:defRPr sz="3000"/>
             </a:lvl3pPr>
-            <a:lvl4pPr lvl="3">
+            <a:lvl4pPr lvl="3" rtl="0">
               <a:spcBef>
                 <a:spcPts val="0"/>
               </a:spcBef>
@@ -6194,7 +6194,7 @@
               <a:buNone/>
               <a:defRPr sz="3000"/>
             </a:lvl4pPr>
-            <a:lvl5pPr lvl="4">
+            <a:lvl5pPr lvl="4" rtl="0">
               <a:spcBef>
                 <a:spcPts val="0"/>
               </a:spcBef>
@@ -6205,7 +6205,7 @@
               <a:buNone/>
               <a:defRPr sz="3000"/>
             </a:lvl5pPr>
-            <a:lvl6pPr lvl="5">
+            <a:lvl6pPr lvl="5" rtl="0">
               <a:spcBef>
                 <a:spcPts val="0"/>
               </a:spcBef>
@@ -6216,7 +6216,7 @@
               <a:buNone/>
               <a:defRPr sz="3000"/>
             </a:lvl6pPr>
-            <a:lvl7pPr lvl="6">
+            <a:lvl7pPr lvl="6" rtl="0">
               <a:spcBef>
                 <a:spcPts val="0"/>
               </a:spcBef>
@@ -6227,7 +6227,7 @@
               <a:buNone/>
               <a:defRPr sz="3000"/>
             </a:lvl7pPr>
-            <a:lvl8pPr lvl="7">
+            <a:lvl8pPr lvl="7" rtl="0">
               <a:spcBef>
                 <a:spcPts val="0"/>
               </a:spcBef>
@@ -6238,7 +6238,7 @@
               <a:buNone/>
               <a:defRPr sz="3000"/>
             </a:lvl8pPr>
-            <a:lvl9pPr lvl="8">
+            <a:lvl9pPr lvl="8" rtl="0">
               <a:spcBef>
                 <a:spcPts val="0"/>
               </a:spcBef>
@@ -6275,7 +6275,7 @@
             <a:normAutofit/>
           </a:bodyPr>
           <a:lstStyle>
-            <a:lvl1pPr indent="-311150" lvl="0" marL="457200">
+            <a:lvl1pPr indent="-311150" lvl="0" marL="457200" rtl="0">
               <a:spcBef>
                 <a:spcPts val="0"/>
               </a:spcBef>
@@ -6286,7 +6286,7 @@
               <a:buChar char="●"/>
               <a:defRPr/>
             </a:lvl1pPr>
-            <a:lvl2pPr indent="-298450" lvl="1" marL="914400">
+            <a:lvl2pPr indent="-298450" lvl="1" marL="914400" rtl="0">
               <a:spcBef>
                 <a:spcPts val="0"/>
               </a:spcBef>
@@ -6297,7 +6297,7 @@
               <a:buChar char="○"/>
               <a:defRPr/>
             </a:lvl2pPr>
-            <a:lvl3pPr indent="-298450" lvl="2" marL="1371600">
+            <a:lvl3pPr indent="-298450" lvl="2" marL="1371600" rtl="0">
               <a:spcBef>
                 <a:spcPts val="0"/>
               </a:spcBef>
@@ -6308,7 +6308,7 @@
               <a:buChar char="■"/>
               <a:defRPr/>
             </a:lvl3pPr>
-            <a:lvl4pPr indent="-298450" lvl="3" marL="1828800">
+            <a:lvl4pPr indent="-298450" lvl="3" marL="1828800" rtl="0">
               <a:spcBef>
                 <a:spcPts val="0"/>
               </a:spcBef>
@@ -6319,7 +6319,7 @@
               <a:buChar char="●"/>
               <a:defRPr/>
             </a:lvl4pPr>
-            <a:lvl5pPr indent="-298450" lvl="4" marL="2286000">
+            <a:lvl5pPr indent="-298450" lvl="4" marL="2286000" rtl="0">
               <a:spcBef>
                 <a:spcPts val="0"/>
               </a:spcBef>
@@ -6330,7 +6330,7 @@
               <a:buChar char="○"/>
               <a:defRPr/>
             </a:lvl5pPr>
-            <a:lvl6pPr indent="-298450" lvl="5" marL="2743200">
+            <a:lvl6pPr indent="-298450" lvl="5" marL="2743200" rtl="0">
               <a:spcBef>
                 <a:spcPts val="0"/>
               </a:spcBef>
@@ -6341,7 +6341,7 @@
               <a:buChar char="■"/>
               <a:defRPr/>
             </a:lvl6pPr>
-            <a:lvl7pPr indent="-298450" lvl="6" marL="3200400">
+            <a:lvl7pPr indent="-298450" lvl="6" marL="3200400" rtl="0">
               <a:spcBef>
                 <a:spcPts val="0"/>
               </a:spcBef>
@@ -6352,7 +6352,7 @@
               <a:buChar char="●"/>
               <a:defRPr/>
             </a:lvl7pPr>
-            <a:lvl8pPr indent="-298450" lvl="7" marL="3657600">
+            <a:lvl8pPr indent="-298450" lvl="7" marL="3657600" rtl="0">
               <a:spcBef>
                 <a:spcPts val="0"/>
               </a:spcBef>
@@ -6363,7 +6363,7 @@
               <a:buChar char="○"/>
               <a:defRPr/>
             </a:lvl8pPr>
-            <a:lvl9pPr indent="-298450" lvl="8" marL="4114800">
+            <a:lvl9pPr indent="-298450" lvl="8" marL="4114800" rtl="0">
               <a:spcBef>
                 <a:spcPts val="0"/>
               </a:spcBef>
@@ -6400,39 +6400,39 @@
             <a:normAutofit/>
           </a:bodyPr>
           <a:lstStyle>
-            <a:lvl1pPr lvl="0">
+            <a:lvl1pPr lvl="0" rtl="0">
               <a:buNone/>
               <a:defRPr/>
             </a:lvl1pPr>
-            <a:lvl2pPr lvl="1">
+            <a:lvl2pPr lvl="1" rtl="0">
               <a:buNone/>
               <a:defRPr/>
             </a:lvl2pPr>
-            <a:lvl3pPr lvl="2">
+            <a:lvl3pPr lvl="2" rtl="0">
               <a:buNone/>
               <a:defRPr/>
             </a:lvl3pPr>
-            <a:lvl4pPr lvl="3">
+            <a:lvl4pPr lvl="3" rtl="0">
               <a:buNone/>
               <a:defRPr/>
             </a:lvl4pPr>
-            <a:lvl5pPr lvl="4">
+            <a:lvl5pPr lvl="4" rtl="0">
               <a:buNone/>
               <a:defRPr/>
             </a:lvl5pPr>
-            <a:lvl6pPr lvl="5">
+            <a:lvl6pPr lvl="5" rtl="0">
               <a:buNone/>
               <a:defRPr/>
             </a:lvl6pPr>
-            <a:lvl7pPr lvl="6">
+            <a:lvl7pPr lvl="6" rtl="0">
               <a:buNone/>
               <a:defRPr/>
             </a:lvl7pPr>
-            <a:lvl8pPr lvl="7">
+            <a:lvl8pPr lvl="7" rtl="0">
               <a:buNone/>
               <a:defRPr/>
             </a:lvl8pPr>
-            <a:lvl9pPr lvl="8">
+            <a:lvl9pPr lvl="8" rtl="0">
               <a:buNone/>
               <a:defRPr/>
             </a:lvl9pPr>
@@ -7095,7 +7095,7 @@
             <a:normAutofit/>
           </a:bodyPr>
           <a:lstStyle>
-            <a:lvl1pPr lvl="0" algn="ctr">
+            <a:lvl1pPr lvl="0" rtl="0" algn="ctr">
               <a:spcBef>
                 <a:spcPts val="0"/>
               </a:spcBef>
@@ -7106,7 +7106,7 @@
               <a:buNone/>
               <a:defRPr sz="3200"/>
             </a:lvl1pPr>
-            <a:lvl2pPr lvl="1" algn="ctr">
+            <a:lvl2pPr lvl="1" rtl="0" algn="ctr">
               <a:spcBef>
                 <a:spcPts val="0"/>
               </a:spcBef>
@@ -7117,7 +7117,7 @@
               <a:buNone/>
               <a:defRPr sz="3200"/>
             </a:lvl2pPr>
-            <a:lvl3pPr lvl="2" algn="ctr">
+            <a:lvl3pPr lvl="2" rtl="0" algn="ctr">
               <a:spcBef>
                 <a:spcPts val="0"/>
               </a:spcBef>
@@ -7128,7 +7128,7 @@
               <a:buNone/>
               <a:defRPr sz="3200"/>
             </a:lvl3pPr>
-            <a:lvl4pPr lvl="3" algn="ctr">
+            <a:lvl4pPr lvl="3" rtl="0" algn="ctr">
               <a:spcBef>
                 <a:spcPts val="0"/>
               </a:spcBef>
@@ -7139,7 +7139,7 @@
               <a:buNone/>
               <a:defRPr sz="3200"/>
             </a:lvl4pPr>
-            <a:lvl5pPr lvl="4" algn="ctr">
+            <a:lvl5pPr lvl="4" rtl="0" algn="ctr">
               <a:spcBef>
                 <a:spcPts val="0"/>
               </a:spcBef>
@@ -7150,7 +7150,7 @@
               <a:buNone/>
               <a:defRPr sz="3200"/>
             </a:lvl5pPr>
-            <a:lvl6pPr lvl="5" algn="ctr">
+            <a:lvl6pPr lvl="5" rtl="0" algn="ctr">
               <a:spcBef>
                 <a:spcPts val="0"/>
               </a:spcBef>
@@ -7161,7 +7161,7 @@
               <a:buNone/>
               <a:defRPr sz="3200"/>
             </a:lvl6pPr>
-            <a:lvl7pPr lvl="6" algn="ctr">
+            <a:lvl7pPr lvl="6" rtl="0" algn="ctr">
               <a:spcBef>
                 <a:spcPts val="0"/>
               </a:spcBef>
@@ -7172,7 +7172,7 @@
               <a:buNone/>
               <a:defRPr sz="3200"/>
             </a:lvl7pPr>
-            <a:lvl8pPr lvl="7" algn="ctr">
+            <a:lvl8pPr lvl="7" rtl="0" algn="ctr">
               <a:spcBef>
                 <a:spcPts val="0"/>
               </a:spcBef>
@@ -7183,7 +7183,7 @@
               <a:buNone/>
               <a:defRPr sz="3200"/>
             </a:lvl8pPr>
-            <a:lvl9pPr lvl="8" algn="ctr">
+            <a:lvl9pPr lvl="8" rtl="0" algn="ctr">
               <a:spcBef>
                 <a:spcPts val="0"/>
               </a:spcBef>
@@ -7220,39 +7220,39 @@
             <a:normAutofit/>
           </a:bodyPr>
           <a:lstStyle>
-            <a:lvl1pPr lvl="0">
+            <a:lvl1pPr lvl="0" rtl="0">
               <a:buNone/>
               <a:defRPr/>
             </a:lvl1pPr>
-            <a:lvl2pPr lvl="1">
+            <a:lvl2pPr lvl="1" rtl="0">
               <a:buNone/>
               <a:defRPr/>
             </a:lvl2pPr>
-            <a:lvl3pPr lvl="2">
+            <a:lvl3pPr lvl="2" rtl="0">
               <a:buNone/>
               <a:defRPr/>
             </a:lvl3pPr>
-            <a:lvl4pPr lvl="3">
+            <a:lvl4pPr lvl="3" rtl="0">
               <a:buNone/>
               <a:defRPr/>
             </a:lvl4pPr>
-            <a:lvl5pPr lvl="4">
+            <a:lvl5pPr lvl="4" rtl="0">
               <a:buNone/>
               <a:defRPr/>
             </a:lvl5pPr>
-            <a:lvl6pPr lvl="5">
+            <a:lvl6pPr lvl="5" rtl="0">
               <a:buNone/>
               <a:defRPr/>
             </a:lvl6pPr>
-            <a:lvl7pPr lvl="6">
+            <a:lvl7pPr lvl="6" rtl="0">
               <a:buNone/>
               <a:defRPr/>
             </a:lvl7pPr>
-            <a:lvl8pPr lvl="7">
+            <a:lvl8pPr lvl="7" rtl="0">
               <a:buNone/>
               <a:defRPr/>
             </a:lvl8pPr>
-            <a:lvl9pPr lvl="8">
+            <a:lvl9pPr lvl="8" rtl="0">
               <a:buNone/>
               <a:defRPr/>
             </a:lvl9pPr>
@@ -7465,7 +7465,7 @@
             <a:normAutofit/>
           </a:bodyPr>
           <a:lstStyle>
-            <a:lvl1pPr lvl="0">
+            <a:lvl1pPr lvl="0" rtl="0">
               <a:spcBef>
                 <a:spcPts val="0"/>
               </a:spcBef>
@@ -7476,7 +7476,7 @@
               <a:buNone/>
               <a:defRPr sz="3000"/>
             </a:lvl1pPr>
-            <a:lvl2pPr lvl="1">
+            <a:lvl2pPr lvl="1" rtl="0">
               <a:spcBef>
                 <a:spcPts val="0"/>
               </a:spcBef>
@@ -7487,7 +7487,7 @@
               <a:buNone/>
               <a:defRPr sz="3000"/>
             </a:lvl2pPr>
-            <a:lvl3pPr lvl="2">
+            <a:lvl3pPr lvl="2" rtl="0">
               <a:spcBef>
                 <a:spcPts val="0"/>
               </a:spcBef>
@@ -7498,7 +7498,7 @@
               <a:buNone/>
               <a:defRPr sz="3000"/>
             </a:lvl3pPr>
-            <a:lvl4pPr lvl="3">
+            <a:lvl4pPr lvl="3" rtl="0">
               <a:spcBef>
                 <a:spcPts val="0"/>
               </a:spcBef>
@@ -7509,7 +7509,7 @@
               <a:buNone/>
               <a:defRPr sz="3000"/>
             </a:lvl4pPr>
-            <a:lvl5pPr lvl="4">
+            <a:lvl5pPr lvl="4" rtl="0">
               <a:spcBef>
                 <a:spcPts val="0"/>
               </a:spcBef>
@@ -7520,7 +7520,7 @@
               <a:buNone/>
               <a:defRPr sz="3000"/>
             </a:lvl5pPr>
-            <a:lvl6pPr lvl="5">
+            <a:lvl6pPr lvl="5" rtl="0">
               <a:spcBef>
                 <a:spcPts val="0"/>
               </a:spcBef>
@@ -7531,7 +7531,7 @@
               <a:buNone/>
               <a:defRPr sz="3000"/>
             </a:lvl6pPr>
-            <a:lvl7pPr lvl="6">
+            <a:lvl7pPr lvl="6" rtl="0">
               <a:spcBef>
                 <a:spcPts val="0"/>
               </a:spcBef>
@@ -7542,7 +7542,7 @@
               <a:buNone/>
               <a:defRPr sz="3000"/>
             </a:lvl7pPr>
-            <a:lvl8pPr lvl="7">
+            <a:lvl8pPr lvl="7" rtl="0">
               <a:spcBef>
                 <a:spcPts val="0"/>
               </a:spcBef>
@@ -7553,7 +7553,7 @@
               <a:buNone/>
               <a:defRPr sz="3000"/>
             </a:lvl8pPr>
-            <a:lvl9pPr lvl="8">
+            <a:lvl9pPr lvl="8" rtl="0">
               <a:spcBef>
                 <a:spcPts val="0"/>
               </a:spcBef>
@@ -7590,7 +7590,7 @@
             <a:normAutofit/>
           </a:bodyPr>
           <a:lstStyle>
-            <a:lvl1pPr lvl="0">
+            <a:lvl1pPr lvl="0" rtl="0">
               <a:lnSpc>
                 <a:spcPct val="100000"/>
               </a:lnSpc>
@@ -7611,7 +7611,7 @@
                 </a:solidFill>
               </a:defRPr>
             </a:lvl1pPr>
-            <a:lvl2pPr lvl="1">
+            <a:lvl2pPr lvl="1" rtl="0">
               <a:lnSpc>
                 <a:spcPct val="100000"/>
               </a:lnSpc>
@@ -7632,7 +7632,7 @@
                 </a:solidFill>
               </a:defRPr>
             </a:lvl2pPr>
-            <a:lvl3pPr lvl="2">
+            <a:lvl3pPr lvl="2" rtl="0">
               <a:lnSpc>
                 <a:spcPct val="100000"/>
               </a:lnSpc>
@@ -7653,7 +7653,7 @@
                 </a:solidFill>
               </a:defRPr>
             </a:lvl3pPr>
-            <a:lvl4pPr lvl="3">
+            <a:lvl4pPr lvl="3" rtl="0">
               <a:lnSpc>
                 <a:spcPct val="100000"/>
               </a:lnSpc>
@@ -7674,7 +7674,7 @@
                 </a:solidFill>
               </a:defRPr>
             </a:lvl4pPr>
-            <a:lvl5pPr lvl="4">
+            <a:lvl5pPr lvl="4" rtl="0">
               <a:lnSpc>
                 <a:spcPct val="100000"/>
               </a:lnSpc>
@@ -7695,7 +7695,7 @@
                 </a:solidFill>
               </a:defRPr>
             </a:lvl5pPr>
-            <a:lvl6pPr lvl="5">
+            <a:lvl6pPr lvl="5" rtl="0">
               <a:lnSpc>
                 <a:spcPct val="100000"/>
               </a:lnSpc>
@@ -7716,7 +7716,7 @@
                 </a:solidFill>
               </a:defRPr>
             </a:lvl6pPr>
-            <a:lvl7pPr lvl="6">
+            <a:lvl7pPr lvl="6" rtl="0">
               <a:lnSpc>
                 <a:spcPct val="100000"/>
               </a:lnSpc>
@@ -7737,7 +7737,7 @@
                 </a:solidFill>
               </a:defRPr>
             </a:lvl7pPr>
-            <a:lvl8pPr lvl="7">
+            <a:lvl8pPr lvl="7" rtl="0">
               <a:lnSpc>
                 <a:spcPct val="100000"/>
               </a:lnSpc>
@@ -7758,7 +7758,7 @@
                 </a:solidFill>
               </a:defRPr>
             </a:lvl8pPr>
-            <a:lvl9pPr lvl="8">
+            <a:lvl9pPr lvl="8" rtl="0">
               <a:lnSpc>
                 <a:spcPct val="100000"/>
               </a:lnSpc>
@@ -7805,7 +7805,7 @@
             <a:normAutofit/>
           </a:bodyPr>
           <a:lstStyle>
-            <a:lvl1pPr indent="-311150" lvl="0" marL="457200">
+            <a:lvl1pPr indent="-311150" lvl="0" marL="457200" rtl="0">
               <a:spcBef>
                 <a:spcPts val="0"/>
               </a:spcBef>
@@ -7816,7 +7816,7 @@
               <a:buChar char="●"/>
               <a:defRPr/>
             </a:lvl1pPr>
-            <a:lvl2pPr indent="-298450" lvl="1" marL="914400">
+            <a:lvl2pPr indent="-298450" lvl="1" marL="914400" rtl="0">
               <a:spcBef>
                 <a:spcPts val="0"/>
               </a:spcBef>
@@ -7827,7 +7827,7 @@
               <a:buChar char="○"/>
               <a:defRPr/>
             </a:lvl2pPr>
-            <a:lvl3pPr indent="-298450" lvl="2" marL="1371600">
+            <a:lvl3pPr indent="-298450" lvl="2" marL="1371600" rtl="0">
               <a:spcBef>
                 <a:spcPts val="0"/>
               </a:spcBef>
@@ -7838,7 +7838,7 @@
               <a:buChar char="■"/>
               <a:defRPr/>
             </a:lvl3pPr>
-            <a:lvl4pPr indent="-298450" lvl="3" marL="1828800">
+            <a:lvl4pPr indent="-298450" lvl="3" marL="1828800" rtl="0">
               <a:spcBef>
                 <a:spcPts val="0"/>
               </a:spcBef>
@@ -7849,7 +7849,7 @@
               <a:buChar char="●"/>
               <a:defRPr/>
             </a:lvl4pPr>
-            <a:lvl5pPr indent="-298450" lvl="4" marL="2286000">
+            <a:lvl5pPr indent="-298450" lvl="4" marL="2286000" rtl="0">
               <a:spcBef>
                 <a:spcPts val="0"/>
               </a:spcBef>
@@ -7860,7 +7860,7 @@
               <a:buChar char="○"/>
               <a:defRPr/>
             </a:lvl5pPr>
-            <a:lvl6pPr indent="-298450" lvl="5" marL="2743200">
+            <a:lvl6pPr indent="-298450" lvl="5" marL="2743200" rtl="0">
               <a:spcBef>
                 <a:spcPts val="0"/>
               </a:spcBef>
@@ -7871,7 +7871,7 @@
               <a:buChar char="■"/>
               <a:defRPr/>
             </a:lvl6pPr>
-            <a:lvl7pPr indent="-298450" lvl="6" marL="3200400">
+            <a:lvl7pPr indent="-298450" lvl="6" marL="3200400" rtl="0">
               <a:spcBef>
                 <a:spcPts val="0"/>
               </a:spcBef>
@@ -7882,7 +7882,7 @@
               <a:buChar char="●"/>
               <a:defRPr/>
             </a:lvl7pPr>
-            <a:lvl8pPr indent="-298450" lvl="7" marL="3657600">
+            <a:lvl8pPr indent="-298450" lvl="7" marL="3657600" rtl="0">
               <a:spcBef>
                 <a:spcPts val="0"/>
               </a:spcBef>
@@ -7893,7 +7893,7 @@
               <a:buChar char="○"/>
               <a:defRPr/>
             </a:lvl8pPr>
-            <a:lvl9pPr indent="-298450" lvl="8" marL="4114800">
+            <a:lvl9pPr indent="-298450" lvl="8" marL="4114800" rtl="0">
               <a:spcBef>
                 <a:spcPts val="0"/>
               </a:spcBef>
@@ -7930,39 +7930,39 @@
             <a:normAutofit/>
           </a:bodyPr>
           <a:lstStyle>
-            <a:lvl1pPr lvl="0">
+            <a:lvl1pPr lvl="0" rtl="0">
               <a:buNone/>
               <a:defRPr/>
             </a:lvl1pPr>
-            <a:lvl2pPr lvl="1">
+            <a:lvl2pPr lvl="1" rtl="0">
               <a:buNone/>
               <a:defRPr/>
             </a:lvl2pPr>
-            <a:lvl3pPr lvl="2">
+            <a:lvl3pPr lvl="2" rtl="0">
               <a:buNone/>
               <a:defRPr/>
             </a:lvl3pPr>
-            <a:lvl4pPr lvl="3">
+            <a:lvl4pPr lvl="3" rtl="0">
               <a:buNone/>
               <a:defRPr/>
             </a:lvl4pPr>
-            <a:lvl5pPr lvl="4">
+            <a:lvl5pPr lvl="4" rtl="0">
               <a:buNone/>
               <a:defRPr/>
             </a:lvl5pPr>
-            <a:lvl6pPr lvl="5">
+            <a:lvl6pPr lvl="5" rtl="0">
               <a:buNone/>
               <a:defRPr/>
             </a:lvl6pPr>
-            <a:lvl7pPr lvl="6">
+            <a:lvl7pPr lvl="6" rtl="0">
               <a:buNone/>
               <a:defRPr/>
             </a:lvl7pPr>
-            <a:lvl8pPr lvl="7">
+            <a:lvl8pPr lvl="7" rtl="0">
               <a:buNone/>
               <a:defRPr/>
             </a:lvl8pPr>
-            <a:lvl9pPr lvl="8">
+            <a:lvl9pPr lvl="8" rtl="0">
               <a:buNone/>
               <a:defRPr/>
             </a:lvl9pPr>
@@ -8175,7 +8175,7 @@
             <a:normAutofit/>
           </a:bodyPr>
           <a:lstStyle>
-            <a:lvl1pPr indent="-228600" lvl="0" marL="457200">
+            <a:lvl1pPr indent="-228600" lvl="0" marL="457200" rtl="0">
               <a:lnSpc>
                 <a:spcPct val="100000"/>
               </a:lnSpc>
@@ -8215,39 +8215,39 @@
             <a:normAutofit/>
           </a:bodyPr>
           <a:lstStyle>
-            <a:lvl1pPr lvl="0">
+            <a:lvl1pPr lvl="0" rtl="0">
               <a:buNone/>
               <a:defRPr/>
             </a:lvl1pPr>
-            <a:lvl2pPr lvl="1">
+            <a:lvl2pPr lvl="1" rtl="0">
               <a:buNone/>
               <a:defRPr/>
             </a:lvl2pPr>
-            <a:lvl3pPr lvl="2">
+            <a:lvl3pPr lvl="2" rtl="0">
               <a:buNone/>
               <a:defRPr/>
             </a:lvl3pPr>
-            <a:lvl4pPr lvl="3">
+            <a:lvl4pPr lvl="3" rtl="0">
               <a:buNone/>
               <a:defRPr/>
             </a:lvl4pPr>
-            <a:lvl5pPr lvl="4">
+            <a:lvl5pPr lvl="4" rtl="0">
               <a:buNone/>
               <a:defRPr/>
             </a:lvl5pPr>
-            <a:lvl6pPr lvl="5">
+            <a:lvl6pPr lvl="5" rtl="0">
               <a:buNone/>
               <a:defRPr/>
             </a:lvl6pPr>
-            <a:lvl7pPr lvl="6">
+            <a:lvl7pPr lvl="6" rtl="0">
               <a:buNone/>
               <a:defRPr/>
             </a:lvl7pPr>
-            <a:lvl8pPr lvl="7">
+            <a:lvl8pPr lvl="7" rtl="0">
               <a:buNone/>
               <a:defRPr/>
             </a:lvl8pPr>
-            <a:lvl9pPr lvl="8">
+            <a:lvl9pPr lvl="8" rtl="0">
               <a:buNone/>
               <a:defRPr/>
             </a:lvl9pPr>
@@ -8328,7 +8328,7 @@
             <a:normAutofit/>
           </a:bodyPr>
           <a:lstStyle>
-            <a:lvl1pPr lvl="0">
+            <a:lvl1pPr lvl="0" rtl="0">
               <a:spcBef>
                 <a:spcPts val="0"/>
               </a:spcBef>
@@ -8351,7 +8351,7 @@
                 <a:sym typeface="Nunito"/>
               </a:defRPr>
             </a:lvl1pPr>
-            <a:lvl2pPr lvl="1">
+            <a:lvl2pPr lvl="1" rtl="0">
               <a:spcBef>
                 <a:spcPts val="0"/>
               </a:spcBef>
@@ -8374,7 +8374,7 @@
                 <a:sym typeface="Nunito"/>
               </a:defRPr>
             </a:lvl2pPr>
-            <a:lvl3pPr lvl="2">
+            <a:lvl3pPr lvl="2" rtl="0">
               <a:spcBef>
                 <a:spcPts val="0"/>
               </a:spcBef>
@@ -8397,7 +8397,7 @@
                 <a:sym typeface="Nunito"/>
               </a:defRPr>
             </a:lvl3pPr>
-            <a:lvl4pPr lvl="3">
+            <a:lvl4pPr lvl="3" rtl="0">
               <a:spcBef>
                 <a:spcPts val="0"/>
               </a:spcBef>
@@ -8420,7 +8420,7 @@
                 <a:sym typeface="Nunito"/>
               </a:defRPr>
             </a:lvl4pPr>
-            <a:lvl5pPr lvl="4">
+            <a:lvl5pPr lvl="4" rtl="0">
               <a:spcBef>
                 <a:spcPts val="0"/>
               </a:spcBef>
@@ -8443,7 +8443,7 @@
                 <a:sym typeface="Nunito"/>
               </a:defRPr>
             </a:lvl5pPr>
-            <a:lvl6pPr lvl="5">
+            <a:lvl6pPr lvl="5" rtl="0">
               <a:spcBef>
                 <a:spcPts val="0"/>
               </a:spcBef>
@@ -8466,7 +8466,7 @@
                 <a:sym typeface="Nunito"/>
               </a:defRPr>
             </a:lvl6pPr>
-            <a:lvl7pPr lvl="6">
+            <a:lvl7pPr lvl="6" rtl="0">
               <a:spcBef>
                 <a:spcPts val="0"/>
               </a:spcBef>
@@ -8489,7 +8489,7 @@
                 <a:sym typeface="Nunito"/>
               </a:defRPr>
             </a:lvl7pPr>
-            <a:lvl8pPr lvl="7">
+            <a:lvl8pPr lvl="7" rtl="0">
               <a:spcBef>
                 <a:spcPts val="0"/>
               </a:spcBef>
@@ -8512,7 +8512,7 @@
                 <a:sym typeface="Nunito"/>
               </a:defRPr>
             </a:lvl8pPr>
-            <a:lvl9pPr lvl="8">
+            <a:lvl9pPr lvl="8" rtl="0">
               <a:spcBef>
                 <a:spcPts val="0"/>
               </a:spcBef>
@@ -8565,7 +8565,7 @@
             <a:normAutofit/>
           </a:bodyPr>
           <a:lstStyle>
-            <a:lvl1pPr indent="-311150" lvl="0" marL="457200">
+            <a:lvl1pPr indent="-311150" lvl="0" marL="457200" rtl="0">
               <a:lnSpc>
                 <a:spcPct val="115000"/>
               </a:lnSpc>
@@ -8591,7 +8591,7 @@
                 <a:sym typeface="Calibri"/>
               </a:defRPr>
             </a:lvl1pPr>
-            <a:lvl2pPr indent="-298450" lvl="1" marL="914400">
+            <a:lvl2pPr indent="-298450" lvl="1" marL="914400" rtl="0">
               <a:lnSpc>
                 <a:spcPct val="115000"/>
               </a:lnSpc>
@@ -8617,7 +8617,7 @@
                 <a:sym typeface="Calibri"/>
               </a:defRPr>
             </a:lvl2pPr>
-            <a:lvl3pPr indent="-298450" lvl="2" marL="1371600">
+            <a:lvl3pPr indent="-298450" lvl="2" marL="1371600" rtl="0">
               <a:lnSpc>
                 <a:spcPct val="115000"/>
               </a:lnSpc>
@@ -8643,7 +8643,7 @@
                 <a:sym typeface="Calibri"/>
               </a:defRPr>
             </a:lvl3pPr>
-            <a:lvl4pPr indent="-298450" lvl="3" marL="1828800">
+            <a:lvl4pPr indent="-298450" lvl="3" marL="1828800" rtl="0">
               <a:lnSpc>
                 <a:spcPct val="115000"/>
               </a:lnSpc>
@@ -8669,7 +8669,7 @@
                 <a:sym typeface="Calibri"/>
               </a:defRPr>
             </a:lvl4pPr>
-            <a:lvl5pPr indent="-298450" lvl="4" marL="2286000">
+            <a:lvl5pPr indent="-298450" lvl="4" marL="2286000" rtl="0">
               <a:lnSpc>
                 <a:spcPct val="115000"/>
               </a:lnSpc>
@@ -8695,7 +8695,7 @@
                 <a:sym typeface="Calibri"/>
               </a:defRPr>
             </a:lvl5pPr>
-            <a:lvl6pPr indent="-298450" lvl="5" marL="2743200">
+            <a:lvl6pPr indent="-298450" lvl="5" marL="2743200" rtl="0">
               <a:lnSpc>
                 <a:spcPct val="115000"/>
               </a:lnSpc>
@@ -8721,7 +8721,7 @@
                 <a:sym typeface="Calibri"/>
               </a:defRPr>
             </a:lvl6pPr>
-            <a:lvl7pPr indent="-298450" lvl="6" marL="3200400">
+            <a:lvl7pPr indent="-298450" lvl="6" marL="3200400" rtl="0">
               <a:lnSpc>
                 <a:spcPct val="115000"/>
               </a:lnSpc>
@@ -8747,7 +8747,7 @@
                 <a:sym typeface="Calibri"/>
               </a:defRPr>
             </a:lvl7pPr>
-            <a:lvl8pPr indent="-298450" lvl="7" marL="3657600">
+            <a:lvl8pPr indent="-298450" lvl="7" marL="3657600" rtl="0">
               <a:lnSpc>
                 <a:spcPct val="115000"/>
               </a:lnSpc>
@@ -8773,7 +8773,7 @@
                 <a:sym typeface="Calibri"/>
               </a:defRPr>
             </a:lvl8pPr>
-            <a:lvl9pPr indent="-298450" lvl="8" marL="4114800">
+            <a:lvl9pPr indent="-298450" lvl="8" marL="4114800" rtl="0">
               <a:lnSpc>
                 <a:spcPct val="115000"/>
               </a:lnSpc>
@@ -8829,7 +8829,7 @@
             <a:normAutofit/>
           </a:bodyPr>
           <a:lstStyle>
-            <a:lvl1pPr lvl="0" algn="r">
+            <a:lvl1pPr lvl="0" rtl="0" algn="r">
               <a:buNone/>
               <a:defRPr sz="1000">
                 <a:solidFill>
@@ -8841,7 +8841,7 @@
                 <a:sym typeface="Nunito"/>
               </a:defRPr>
             </a:lvl1pPr>
-            <a:lvl2pPr lvl="1" algn="r">
+            <a:lvl2pPr lvl="1" rtl="0" algn="r">
               <a:buNone/>
               <a:defRPr sz="1000">
                 <a:solidFill>
@@ -8853,7 +8853,7 @@
                 <a:sym typeface="Nunito"/>
               </a:defRPr>
             </a:lvl2pPr>
-            <a:lvl3pPr lvl="2" algn="r">
+            <a:lvl3pPr lvl="2" rtl="0" algn="r">
               <a:buNone/>
               <a:defRPr sz="1000">
                 <a:solidFill>
@@ -8865,7 +8865,7 @@
                 <a:sym typeface="Nunito"/>
               </a:defRPr>
             </a:lvl3pPr>
-            <a:lvl4pPr lvl="3" algn="r">
+            <a:lvl4pPr lvl="3" rtl="0" algn="r">
               <a:buNone/>
               <a:defRPr sz="1000">
                 <a:solidFill>
@@ -8877,7 +8877,7 @@
                 <a:sym typeface="Nunito"/>
               </a:defRPr>
             </a:lvl4pPr>
-            <a:lvl5pPr lvl="4" algn="r">
+            <a:lvl5pPr lvl="4" rtl="0" algn="r">
               <a:buNone/>
               <a:defRPr sz="1000">
                 <a:solidFill>
@@ -8889,7 +8889,7 @@
                 <a:sym typeface="Nunito"/>
               </a:defRPr>
             </a:lvl5pPr>
-            <a:lvl6pPr lvl="5" algn="r">
+            <a:lvl6pPr lvl="5" rtl="0" algn="r">
               <a:buNone/>
               <a:defRPr sz="1000">
                 <a:solidFill>
@@ -8901,7 +8901,7 @@
                 <a:sym typeface="Nunito"/>
               </a:defRPr>
             </a:lvl6pPr>
-            <a:lvl7pPr lvl="6" algn="r">
+            <a:lvl7pPr lvl="6" rtl="0" algn="r">
               <a:buNone/>
               <a:defRPr sz="1000">
                 <a:solidFill>
@@ -8913,7 +8913,7 @@
                 <a:sym typeface="Nunito"/>
               </a:defRPr>
             </a:lvl7pPr>
-            <a:lvl8pPr lvl="7" algn="r">
+            <a:lvl8pPr lvl="7" rtl="0" algn="r">
               <a:buNone/>
               <a:defRPr sz="1000">
                 <a:solidFill>
@@ -8925,7 +8925,7 @@
                 <a:sym typeface="Nunito"/>
               </a:defRPr>
             </a:lvl8pPr>
-            <a:lvl9pPr lvl="8" algn="r">
+            <a:lvl9pPr lvl="8" rtl="0" algn="r">
               <a:buNone/>
               <a:defRPr sz="1000">
                 <a:solidFill>
@@ -10277,48 +10277,9 @@
           <a:chExt cx="0" cy="0"/>
         </a:xfrm>
       </p:grpSpPr>
-      <p:sp>
-        <p:nvSpPr>
-          <p:cNvPr id="154" name="Google Shape;154;p17"/>
-          <p:cNvSpPr txBox="1"/>
-          <p:nvPr>
-            <p:ph type="title"/>
-          </p:nvPr>
-        </p:nvSpPr>
-        <p:spPr>
-          <a:xfrm>
-            <a:off x="1152125" y="250600"/>
-            <a:ext cx="7505700" cy="954600"/>
-          </a:xfrm>
-          <a:prstGeom prst="rect">
-            <a:avLst/>
-          </a:prstGeom>
-        </p:spPr>
-        <p:txBody>
-          <a:bodyPr anchorCtr="0" anchor="t" bIns="91425" lIns="91425" spcFirstLastPara="1" rIns="91425" wrap="square" tIns="91425">
-            <a:normAutofit/>
-          </a:bodyPr>
-          <a:lstStyle/>
-          <a:p>
-            <a:pPr indent="0" lvl="0" marL="0" rtl="0" algn="l">
-              <a:spcBef>
-                <a:spcPts val="0"/>
-              </a:spcBef>
-              <a:spcAft>
-                <a:spcPts val="0"/>
-              </a:spcAft>
-              <a:buNone/>
-            </a:pPr>
-            <a:r>
-              <a:t/>
-            </a:r>
-            <a:endParaRPr/>
-          </a:p>
-        </p:txBody>
-      </p:sp>
       <p:pic>
         <p:nvPicPr>
-          <p:cNvPr id="155" name="Google Shape;155;p17"/>
+          <p:cNvPr id="154" name="Google Shape;154;p17"/>
           <p:cNvPicPr preferRelativeResize="0"/>
           <p:nvPr/>
         </p:nvPicPr>
@@ -10332,7 +10293,7 @@
         </p:blipFill>
         <p:spPr>
           <a:xfrm>
-            <a:off x="298900" y="1205200"/>
+            <a:off x="362925" y="1178475"/>
             <a:ext cx="4093026" cy="2786587"/>
           </a:xfrm>
           <a:prstGeom prst="rect">
@@ -10346,7 +10307,7 @@
       </p:pic>
       <p:pic>
         <p:nvPicPr>
-          <p:cNvPr id="156" name="Google Shape;156;p17"/>
+          <p:cNvPr id="155" name="Google Shape;155;p17"/>
           <p:cNvPicPr preferRelativeResize="0"/>
           <p:nvPr/>
         </p:nvPicPr>
@@ -10372,6 +10333,180 @@
           </a:ln>
         </p:spPr>
       </p:pic>
+      <p:cxnSp>
+        <p:nvCxnSpPr>
+          <p:cNvPr id="156" name="Google Shape;156;p17"/>
+          <p:cNvCxnSpPr/>
+          <p:nvPr/>
+        </p:nvCxnSpPr>
+        <p:spPr>
+          <a:xfrm>
+            <a:off x="6289375" y="1091125"/>
+            <a:ext cx="1229400" cy="601800"/>
+          </a:xfrm>
+          <a:prstGeom prst="straightConnector1">
+            <a:avLst/>
+          </a:prstGeom>
+          <a:noFill/>
+          <a:ln cap="flat" cmpd="sng" w="9525">
+            <a:solidFill>
+              <a:schemeClr val="dk2"/>
+            </a:solidFill>
+            <a:prstDash val="solid"/>
+            <a:round/>
+            <a:headEnd len="med" w="med" type="none"/>
+            <a:tailEnd len="med" w="med" type="triangle"/>
+          </a:ln>
+        </p:spPr>
+      </p:cxnSp>
+      <p:sp>
+        <p:nvSpPr>
+          <p:cNvPr id="157" name="Google Shape;157;p17"/>
+          <p:cNvSpPr txBox="1"/>
+          <p:nvPr/>
+        </p:nvSpPr>
+        <p:spPr>
+          <a:xfrm>
+            <a:off x="5111175" y="250600"/>
+            <a:ext cx="1665000" cy="499500"/>
+          </a:xfrm>
+          <a:prstGeom prst="rect">
+            <a:avLst/>
+          </a:prstGeom>
+          <a:noFill/>
+          <a:ln>
+            <a:noFill/>
+          </a:ln>
+        </p:spPr>
+        <p:txBody>
+          <a:bodyPr anchorCtr="0" anchor="t" bIns="91425" lIns="91425" spcFirstLastPara="1" rIns="91425" wrap="square" tIns="91425">
+            <a:noAutofit/>
+          </a:bodyPr>
+          <a:lstStyle/>
+          <a:p>
+            <a:pPr indent="0" lvl="0" marL="0" rtl="0" algn="l">
+              <a:spcBef>
+                <a:spcPts val="0"/>
+              </a:spcBef>
+              <a:spcAft>
+                <a:spcPts val="0"/>
+              </a:spcAft>
+              <a:buNone/>
+            </a:pPr>
+            <a:r>
+              <a:rPr lang="en">
+                <a:latin typeface="Calibri"/>
+                <a:ea typeface="Calibri"/>
+                <a:cs typeface="Calibri"/>
+                <a:sym typeface="Calibri"/>
+              </a:rPr>
+              <a:t>High average discount with high markdown purchase rate.</a:t>
+            </a:r>
+            <a:endParaRPr>
+              <a:latin typeface="Calibri"/>
+              <a:ea typeface="Calibri"/>
+              <a:cs typeface="Calibri"/>
+              <a:sym typeface="Calibri"/>
+            </a:endParaRPr>
+          </a:p>
+        </p:txBody>
+      </p:sp>
+      <p:cxnSp>
+        <p:nvCxnSpPr>
+          <p:cNvPr id="158" name="Google Shape;158;p17"/>
+          <p:cNvCxnSpPr/>
+          <p:nvPr/>
+        </p:nvCxnSpPr>
+        <p:spPr>
+          <a:xfrm flipH="1" rot="10800000">
+            <a:off x="2191225" y="2422900"/>
+            <a:ext cx="704400" cy="678900"/>
+          </a:xfrm>
+          <a:prstGeom prst="straightConnector1">
+            <a:avLst/>
+          </a:prstGeom>
+          <a:noFill/>
+          <a:ln cap="flat" cmpd="sng" w="9525">
+            <a:solidFill>
+              <a:schemeClr val="dk2"/>
+            </a:solidFill>
+            <a:prstDash val="solid"/>
+            <a:round/>
+            <a:headEnd len="med" w="med" type="none"/>
+            <a:tailEnd len="med" w="med" type="triangle"/>
+          </a:ln>
+        </p:spPr>
+      </p:cxnSp>
+      <p:sp>
+        <p:nvSpPr>
+          <p:cNvPr id="159" name="Google Shape;159;p17"/>
+          <p:cNvSpPr txBox="1"/>
+          <p:nvPr/>
+        </p:nvSpPr>
+        <p:spPr>
+          <a:xfrm>
+            <a:off x="998950" y="3101800"/>
+            <a:ext cx="1665000" cy="499500"/>
+          </a:xfrm>
+          <a:prstGeom prst="rect">
+            <a:avLst/>
+          </a:prstGeom>
+          <a:noFill/>
+          <a:ln>
+            <a:noFill/>
+          </a:ln>
+        </p:spPr>
+        <p:txBody>
+          <a:bodyPr anchorCtr="0" anchor="t" bIns="91425" lIns="91425" spcFirstLastPara="1" rIns="91425" wrap="square" tIns="91425">
+            <a:noAutofit/>
+          </a:bodyPr>
+          <a:lstStyle/>
+          <a:p>
+            <a:pPr indent="0" lvl="0" marL="0" rtl="0" algn="l">
+              <a:spcBef>
+                <a:spcPts val="0"/>
+              </a:spcBef>
+              <a:spcAft>
+                <a:spcPts val="0"/>
+              </a:spcAft>
+              <a:buNone/>
+            </a:pPr>
+            <a:r>
+              <a:rPr lang="en">
+                <a:latin typeface="Calibri"/>
+                <a:ea typeface="Calibri"/>
+                <a:cs typeface="Calibri"/>
+                <a:sym typeface="Calibri"/>
+              </a:rPr>
+              <a:t>High </a:t>
+            </a:r>
+            <a:r>
+              <a:rPr lang="en">
+                <a:latin typeface="Calibri"/>
+                <a:ea typeface="Calibri"/>
+                <a:cs typeface="Calibri"/>
+                <a:sym typeface="Calibri"/>
+              </a:rPr>
+              <a:t>markdown</a:t>
+            </a:r>
+            <a:r>
+              <a:rPr lang="en">
+                <a:latin typeface="Calibri"/>
+                <a:ea typeface="Calibri"/>
+                <a:cs typeface="Calibri"/>
+                <a:sym typeface="Calibri"/>
+              </a:rPr>
+              <a:t> rate, with no discount present.</a:t>
+            </a:r>
+            <a:endParaRPr>
+              <a:latin typeface="Calibri"/>
+              <a:ea typeface="Calibri"/>
+              <a:cs typeface="Calibri"/>
+              <a:sym typeface="Calibri"/>
+            </a:endParaRPr>
+          </a:p>
+        </p:txBody>
+      </p:sp>
     </p:spTree>
   </p:cSld>
   <p:clrMapOvr>
@@ -10385,7 +10520,7 @@
   <p:cSld>
     <p:spTree>
       <p:nvGrpSpPr>
-        <p:cNvPr id="160" name="Shape 160"/>
+        <p:cNvPr id="163" name="Shape 163"/>
         <p:cNvGrpSpPr/>
         <p:nvPr/>
       </p:nvGrpSpPr>
@@ -10399,7 +10534,7 @@
       </p:grpSpPr>
       <p:sp>
         <p:nvSpPr>
-          <p:cNvPr id="161" name="Google Shape;161;p18"/>
+          <p:cNvPr id="164" name="Google Shape;164;p18"/>
           <p:cNvSpPr txBox="1"/>
           <p:nvPr>
             <p:ph idx="1" type="body"/>
@@ -10407,8 +10542,8 @@
         </p:nvSpPr>
         <p:spPr>
           <a:xfrm>
-            <a:off x="281275" y="1047750"/>
-            <a:ext cx="1449000" cy="3048000"/>
+            <a:off x="6884875" y="1154400"/>
+            <a:ext cx="1807500" cy="3048000"/>
           </a:xfrm>
           <a:prstGeom prst="rect">
             <a:avLst/>
@@ -10439,7 +10574,7 @@
       </p:sp>
       <p:pic>
         <p:nvPicPr>
-          <p:cNvPr id="162" name="Google Shape;162;p18"/>
+          <p:cNvPr id="165" name="Google Shape;165;p18"/>
           <p:cNvPicPr preferRelativeResize="0"/>
           <p:nvPr/>
         </p:nvPicPr>
@@ -10453,8 +10588,8 @@
         </p:blipFill>
         <p:spPr>
           <a:xfrm>
-            <a:off x="1657188" y="629700"/>
-            <a:ext cx="6341875" cy="4020550"/>
+            <a:off x="542988" y="668125"/>
+            <a:ext cx="6341884" cy="4020550"/>
           </a:xfrm>
           <a:prstGeom prst="rect">
             <a:avLst/>
@@ -10478,7 +10613,7 @@
   <p:cSld>
     <p:spTree>
       <p:nvGrpSpPr>
-        <p:cNvPr id="166" name="Shape 166"/>
+        <p:cNvPr id="169" name="Shape 169"/>
         <p:cNvGrpSpPr/>
         <p:nvPr/>
       </p:nvGrpSpPr>
@@ -10492,7 +10627,7 @@
       </p:grpSpPr>
       <p:sp>
         <p:nvSpPr>
-          <p:cNvPr id="167" name="Google Shape;167;p19"/>
+          <p:cNvPr id="170" name="Google Shape;170;p19"/>
           <p:cNvSpPr txBox="1"/>
           <p:nvPr>
             <p:ph idx="1" type="body"/>
@@ -10582,7 +10717,7 @@
   <p:cSld>
     <p:spTree>
       <p:nvGrpSpPr>
-        <p:cNvPr id="171" name="Shape 171"/>
+        <p:cNvPr id="174" name="Shape 174"/>
         <p:cNvGrpSpPr/>
         <p:nvPr/>
       </p:nvGrpSpPr>
@@ -10596,7 +10731,7 @@
       </p:grpSpPr>
       <p:pic>
         <p:nvPicPr>
-          <p:cNvPr id="172" name="Google Shape;172;p20"/>
+          <p:cNvPr id="175" name="Google Shape;175;p20"/>
           <p:cNvPicPr preferRelativeResize="0"/>
           <p:nvPr/>
         </p:nvPicPr>
@@ -10624,7 +10759,7 @@
       </p:pic>
       <p:sp>
         <p:nvSpPr>
-          <p:cNvPr id="173" name="Google Shape;173;p20"/>
+          <p:cNvPr id="176" name="Google Shape;176;p20"/>
           <p:cNvSpPr txBox="1"/>
           <p:nvPr/>
         </p:nvSpPr>
@@ -10676,7 +10811,7 @@
       </p:sp>
       <p:cxnSp>
         <p:nvCxnSpPr>
-          <p:cNvPr id="174" name="Google Shape;174;p20"/>
+          <p:cNvPr id="177" name="Google Shape;177;p20"/>
           <p:cNvCxnSpPr/>
           <p:nvPr/>
         </p:nvCxnSpPr>
@@ -10713,7 +10848,7 @@
   <p:cSld>
     <p:spTree>
       <p:nvGrpSpPr>
-        <p:cNvPr id="178" name="Shape 178"/>
+        <p:cNvPr id="181" name="Shape 181"/>
         <p:cNvGrpSpPr/>
         <p:nvPr/>
       </p:nvGrpSpPr>
@@ -10727,7 +10862,7 @@
       </p:grpSpPr>
       <p:sp>
         <p:nvSpPr>
-          <p:cNvPr id="179" name="Google Shape;179;p21"/>
+          <p:cNvPr id="182" name="Google Shape;182;p21"/>
           <p:cNvSpPr txBox="1"/>
           <p:nvPr>
             <p:ph type="title"/>
@@ -10766,7 +10901,7 @@
       </p:sp>
       <p:sp>
         <p:nvSpPr>
-          <p:cNvPr id="180" name="Google Shape;180;p21"/>
+          <p:cNvPr id="183" name="Google Shape;183;p21"/>
           <p:cNvSpPr txBox="1"/>
           <p:nvPr>
             <p:ph idx="1" type="body"/>
@@ -10774,8 +10909,8 @@
         </p:nvSpPr>
         <p:spPr>
           <a:xfrm>
-            <a:off x="819150" y="1990725"/>
-            <a:ext cx="7505700" cy="2448000"/>
+            <a:off x="1024075" y="4139150"/>
+            <a:ext cx="7505700" cy="568500"/>
           </a:xfrm>
           <a:prstGeom prst="rect">
             <a:avLst/>
@@ -10783,11 +10918,14 @@
         </p:spPr>
         <p:txBody>
           <a:bodyPr anchorCtr="0" anchor="t" bIns="91425" lIns="91425" spcFirstLastPara="1" rIns="91425" wrap="square" tIns="91425">
-            <a:normAutofit/>
+            <a:noAutofit/>
           </a:bodyPr>
           <a:lstStyle/>
           <a:p>
             <a:pPr indent="0" lvl="0" marL="0" rtl="0" algn="l">
+              <a:lnSpc>
+                <a:spcPct val="95000"/>
+              </a:lnSpc>
               <a:spcBef>
                 <a:spcPts val="0"/>
               </a:spcBef>
@@ -10797,15 +10935,16 @@
               <a:buNone/>
             </a:pPr>
             <a:r>
-              <a:t/>
+              <a:rPr lang="en" sz="1500"/>
+              <a:t>XS and S items hold a disproportionate amount of inventory space relative to their profit generated, while XL items generate much more profit than their inventory size suggests.</a:t>
             </a:r>
-            <a:endParaRPr b="1"/>
+            <a:endParaRPr sz="1500"/>
           </a:p>
         </p:txBody>
       </p:sp>
       <p:pic>
         <p:nvPicPr>
-          <p:cNvPr id="181" name="Google Shape;181;p21"/>
+          <p:cNvPr id="184" name="Google Shape;184;p21"/>
           <p:cNvPicPr preferRelativeResize="0"/>
           <p:nvPr/>
         </p:nvPicPr>
@@ -10819,7 +10958,7 @@
         </p:blipFill>
         <p:spPr>
           <a:xfrm>
-            <a:off x="683699" y="566049"/>
+            <a:off x="674187" y="207474"/>
             <a:ext cx="7795625" cy="4021225"/>
           </a:xfrm>
           <a:prstGeom prst="rect">
@@ -10840,6 +10979,285 @@
 </file>
 
 <file path=ppt/theme/theme1.xml><?xml version="1.0" encoding="utf-8"?>
+<a:theme xmlns:a="http://schemas.openxmlformats.org/drawingml/2006/main" xmlns:r="http://schemas.openxmlformats.org/officeDocument/2006/relationships">
+  <a:themeElements>
+    <a:clrScheme name="Default">
+      <a:dk1>
+        <a:srgbClr val="000000"/>
+      </a:dk1>
+      <a:lt1>
+        <a:srgbClr val="FFFFFF"/>
+      </a:lt1>
+      <a:dk2>
+        <a:srgbClr val="158158"/>
+      </a:dk2>
+      <a:lt2>
+        <a:srgbClr val="F3F3F3"/>
+      </a:lt2>
+      <a:accent1>
+        <a:srgbClr val="058DC7"/>
+      </a:accent1>
+      <a:accent2>
+        <a:srgbClr val="50B432"/>
+      </a:accent2>
+      <a:accent3>
+        <a:srgbClr val="ED561B"/>
+      </a:accent3>
+      <a:accent4>
+        <a:srgbClr val="EDEF00"/>
+      </a:accent4>
+      <a:accent5>
+        <a:srgbClr val="24CBE5"/>
+      </a:accent5>
+      <a:accent6>
+        <a:srgbClr val="64E572"/>
+      </a:accent6>
+      <a:hlink>
+        <a:srgbClr val="2200CC"/>
+      </a:hlink>
+      <a:folHlink>
+        <a:srgbClr val="551A8B"/>
+      </a:folHlink>
+    </a:clrScheme>
+    <a:fontScheme name="Office">
+      <a:majorFont>
+        <a:latin typeface="Arial"/>
+        <a:ea typeface=""/>
+        <a:cs typeface=""/>
+        <a:font script="Jpan" typeface="ＭＳ Ｐゴシック"/>
+        <a:font script="Hang" typeface="맑은 고딕"/>
+        <a:font script="Hans" typeface="宋体"/>
+        <a:font script="Hant" typeface="新細明體"/>
+        <a:font script="Arab" typeface="Times New Roman"/>
+        <a:font script="Hebr" typeface="Times New Roman"/>
+        <a:font script="Thai" typeface="Angsana New"/>
+        <a:font script="Ethi" typeface="Nyala"/>
+        <a:font script="Beng" typeface="Vrinda"/>
+        <a:font script="Gujr" typeface="Shruti"/>
+        <a:font script="Khmr" typeface="MoolBoran"/>
+        <a:font script="Knda" typeface="Tunga"/>
+        <a:font script="Guru" typeface="Raavi"/>
+        <a:font script="Cans" typeface="Euphemia"/>
+        <a:font script="Cher" typeface="Plantagenet Cherokee"/>
+        <a:font script="Yiii" typeface="Microsoft Yi Baiti"/>
+        <a:font script="Tibt" typeface="Microsoft Himalaya"/>
+        <a:font script="Thaa" typeface="MV Boli"/>
+        <a:font script="Deva" typeface="Mangal"/>
+        <a:font script="Telu" typeface="Gautami"/>
+        <a:font script="Taml" typeface="Latha"/>
+        <a:font script="Syrc" typeface="Estrangelo Edessa"/>
+        <a:font script="Orya" typeface="Kalinga"/>
+        <a:font script="Mlym" typeface="Kartika"/>
+        <a:font script="Laoo" typeface="DokChampa"/>
+        <a:font script="Sinh" typeface="Iskoola Pota"/>
+        <a:font script="Mong" typeface="Mongolian Baiti"/>
+        <a:font script="Viet" typeface="Times New Roman"/>
+        <a:font script="Uigh" typeface="Microsoft Uighur"/>
+        <a:font script="Geor" typeface="Sylfaen"/>
+      </a:majorFont>
+      <a:minorFont>
+        <a:latin typeface="Arial"/>
+        <a:ea typeface=""/>
+        <a:cs typeface=""/>
+        <a:font script="Jpan" typeface="ＭＳ Ｐゴシック"/>
+        <a:font script="Hang" typeface="맑은 고딕"/>
+        <a:font script="Hans" typeface="宋体"/>
+        <a:font script="Hant" typeface="新細明體"/>
+        <a:font script="Arab" typeface="Arial"/>
+        <a:font script="Hebr" typeface="Arial"/>
+        <a:font script="Thai" typeface="Cordia New"/>
+        <a:font script="Ethi" typeface="Nyala"/>
+        <a:font script="Beng" typeface="Vrinda"/>
+        <a:font script="Gujr" typeface="Shruti"/>
+        <a:font script="Khmr" typeface="DaunPenh"/>
+        <a:font script="Knda" typeface="Tunga"/>
+        <a:font script="Guru" typeface="Raavi"/>
+        <a:font script="Cans" typeface="Euphemia"/>
+        <a:font script="Cher" typeface="Plantagenet Cherokee"/>
+        <a:font script="Yiii" typeface="Microsoft Yi Baiti"/>
+        <a:font script="Tibt" typeface="Microsoft Himalaya"/>
+        <a:font script="Thaa" typeface="MV Boli"/>
+        <a:font script="Deva" typeface="Mangal"/>
+        <a:font script="Telu" typeface="Gautami"/>
+        <a:font script="Taml" typeface="Latha"/>
+        <a:font script="Syrc" typeface="Estrangelo Edessa"/>
+        <a:font script="Orya" typeface="Kalinga"/>
+        <a:font script="Mlym" typeface="Kartika"/>
+        <a:font script="Laoo" typeface="DokChampa"/>
+        <a:font script="Sinh" typeface="Iskoola Pota"/>
+        <a:font script="Mong" typeface="Mongolian Baiti"/>
+        <a:font script="Viet" typeface="Arial"/>
+        <a:font script="Uigh" typeface="Microsoft Uighur"/>
+        <a:font script="Geor" typeface="Sylfaen"/>
+      </a:minorFont>
+    </a:fontScheme>
+    <a:fmtScheme name="Office">
+      <a:fillStyleLst>
+        <a:solidFill>
+          <a:schemeClr val="phClr"/>
+        </a:solidFill>
+        <a:gradFill rotWithShape="1">
+          <a:gsLst>
+            <a:gs pos="0">
+              <a:schemeClr val="phClr">
+                <a:tint val="50000"/>
+                <a:satMod val="300000"/>
+              </a:schemeClr>
+            </a:gs>
+            <a:gs pos="35000">
+              <a:schemeClr val="phClr">
+                <a:tint val="37000"/>
+                <a:satMod val="300000"/>
+              </a:schemeClr>
+            </a:gs>
+            <a:gs pos="100000">
+              <a:schemeClr val="phClr">
+                <a:tint val="15000"/>
+                <a:satMod val="350000"/>
+              </a:schemeClr>
+            </a:gs>
+          </a:gsLst>
+          <a:lin ang="16200000" scaled="1"/>
+        </a:gradFill>
+        <a:gradFill rotWithShape="1">
+          <a:gsLst>
+            <a:gs pos="0">
+              <a:schemeClr val="phClr">
+                <a:tint val="100000"/>
+                <a:shade val="100000"/>
+                <a:satMod val="130000"/>
+              </a:schemeClr>
+            </a:gs>
+            <a:gs pos="100000">
+              <a:schemeClr val="phClr">
+                <a:tint val="50000"/>
+                <a:shade val="100000"/>
+                <a:satMod val="350000"/>
+              </a:schemeClr>
+            </a:gs>
+          </a:gsLst>
+          <a:lin ang="16200000" scaled="0"/>
+        </a:gradFill>
+      </a:fillStyleLst>
+      <a:lnStyleLst>
+        <a:ln w="9525" cap="flat" cmpd="sng" algn="ctr">
+          <a:solidFill>
+            <a:schemeClr val="phClr">
+              <a:shade val="95000"/>
+              <a:satMod val="105000"/>
+            </a:schemeClr>
+          </a:solidFill>
+          <a:prstDash val="solid"/>
+        </a:ln>
+        <a:ln w="25400" cap="flat" cmpd="sng" algn="ctr">
+          <a:solidFill>
+            <a:schemeClr val="phClr"/>
+          </a:solidFill>
+          <a:prstDash val="solid"/>
+        </a:ln>
+        <a:ln w="38100" cap="flat" cmpd="sng" algn="ctr">
+          <a:solidFill>
+            <a:schemeClr val="phClr"/>
+          </a:solidFill>
+          <a:prstDash val="solid"/>
+        </a:ln>
+      </a:lnStyleLst>
+      <a:effectStyleLst>
+        <a:effectStyle>
+          <a:effectLst>
+            <a:outerShdw blurRad="40000" dist="20000" dir="5400000" rotWithShape="0">
+              <a:srgbClr val="000000">
+                <a:alpha val="38000"/>
+              </a:srgbClr>
+            </a:outerShdw>
+          </a:effectLst>
+        </a:effectStyle>
+        <a:effectStyle>
+          <a:effectLst>
+            <a:outerShdw blurRad="40000" dist="23000" dir="5400000" rotWithShape="0">
+              <a:srgbClr val="000000">
+                <a:alpha val="35000"/>
+              </a:srgbClr>
+            </a:outerShdw>
+          </a:effectLst>
+        </a:effectStyle>
+        <a:effectStyle>
+          <a:effectLst>
+            <a:outerShdw blurRad="40000" dist="23000" dir="5400000" rotWithShape="0">
+              <a:srgbClr val="000000">
+                <a:alpha val="35000"/>
+              </a:srgbClr>
+            </a:outerShdw>
+          </a:effectLst>
+          <a:scene3d>
+            <a:camera prst="orthographicFront">
+              <a:rot lat="0" lon="0" rev="0"/>
+            </a:camera>
+            <a:lightRig rig="threePt" dir="t">
+              <a:rot lat="0" lon="0" rev="1200000"/>
+            </a:lightRig>
+          </a:scene3d>
+          <a:sp3d>
+            <a:bevelT w="63500" h="25400"/>
+          </a:sp3d>
+        </a:effectStyle>
+      </a:effectStyleLst>
+      <a:bgFillStyleLst>
+        <a:solidFill>
+          <a:schemeClr val="phClr"/>
+        </a:solidFill>
+        <a:gradFill rotWithShape="1">
+          <a:gsLst>
+            <a:gs pos="0">
+              <a:schemeClr val="phClr">
+                <a:tint val="40000"/>
+                <a:satMod val="350000"/>
+              </a:schemeClr>
+            </a:gs>
+            <a:gs pos="40000">
+              <a:schemeClr val="phClr">
+                <a:tint val="45000"/>
+                <a:shade val="99000"/>
+                <a:satMod val="350000"/>
+              </a:schemeClr>
+            </a:gs>
+            <a:gs pos="100000">
+              <a:schemeClr val="phClr">
+                <a:shade val="20000"/>
+                <a:satMod val="255000"/>
+              </a:schemeClr>
+            </a:gs>
+          </a:gsLst>
+          <a:path path="circle">
+            <a:fillToRect l="50000" t="-80000" r="50000" b="180000"/>
+          </a:path>
+        </a:gradFill>
+        <a:gradFill rotWithShape="1">
+          <a:gsLst>
+            <a:gs pos="0">
+              <a:schemeClr val="phClr">
+                <a:tint val="80000"/>
+                <a:satMod val="300000"/>
+              </a:schemeClr>
+            </a:gs>
+            <a:gs pos="100000">
+              <a:schemeClr val="phClr">
+                <a:shade val="30000"/>
+                <a:satMod val="200000"/>
+              </a:schemeClr>
+            </a:gs>
+          </a:gsLst>
+          <a:path path="circle">
+            <a:fillToRect l="50000" t="50000" r="50000" b="50000"/>
+          </a:path>
+        </a:gradFill>
+      </a:bgFillStyleLst>
+    </a:fmtScheme>
+  </a:themeElements>
+</a:theme>
+</file>
+
+<file path=ppt/theme/theme2.xml><?xml version="1.0" encoding="utf-8"?>
 <a:theme xmlns:a="http://schemas.openxmlformats.org/drawingml/2006/main" xmlns:r="http://schemas.openxmlformats.org/officeDocument/2006/relationships" name="Shift">
   <a:themeElements>
     <a:clrScheme name="Shift">
@@ -11116,283 +11534,4 @@
     </a:fmtScheme>
   </a:themeElements>
 </a:theme>
-</file>
-
-<file path=ppt/theme/theme2.xml><?xml version="1.0" encoding="utf-8"?>
-<a:theme xmlns:a="http://schemas.openxmlformats.org/drawingml/2006/main" xmlns:r="http://schemas.openxmlformats.org/officeDocument/2006/relationships">
-  <a:themeElements>
-    <a:clrScheme name="Default">
-      <a:dk1>
-        <a:srgbClr val="000000"/>
-      </a:dk1>
-      <a:lt1>
-        <a:srgbClr val="FFFFFF"/>
-      </a:lt1>
-      <a:dk2>
-        <a:srgbClr val="158158"/>
-      </a:dk2>
-      <a:lt2>
-        <a:srgbClr val="F3F3F3"/>
-      </a:lt2>
-      <a:accent1>
-        <a:srgbClr val="058DC7"/>
-      </a:accent1>
-      <a:accent2>
-        <a:srgbClr val="50B432"/>
-      </a:accent2>
-      <a:accent3>
-        <a:srgbClr val="ED561B"/>
-      </a:accent3>
-      <a:accent4>
-        <a:srgbClr val="EDEF00"/>
-      </a:accent4>
-      <a:accent5>
-        <a:srgbClr val="24CBE5"/>
-      </a:accent5>
-      <a:accent6>
-        <a:srgbClr val="64E572"/>
-      </a:accent6>
-      <a:hlink>
-        <a:srgbClr val="2200CC"/>
-      </a:hlink>
-      <a:folHlink>
-        <a:srgbClr val="551A8B"/>
-      </a:folHlink>
-    </a:clrScheme>
-    <a:fontScheme name="Office">
-      <a:majorFont>
-        <a:latin typeface="Arial"/>
-        <a:ea typeface=""/>
-        <a:cs typeface=""/>
-        <a:font script="Jpan" typeface="ＭＳ Ｐゴシック"/>
-        <a:font script="Hang" typeface="맑은 고딕"/>
-        <a:font script="Hans" typeface="宋体"/>
-        <a:font script="Hant" typeface="新細明體"/>
-        <a:font script="Arab" typeface="Times New Roman"/>
-        <a:font script="Hebr" typeface="Times New Roman"/>
-        <a:font script="Thai" typeface="Angsana New"/>
-        <a:font script="Ethi" typeface="Nyala"/>
-        <a:font script="Beng" typeface="Vrinda"/>
-        <a:font script="Gujr" typeface="Shruti"/>
-        <a:font script="Khmr" typeface="MoolBoran"/>
-        <a:font script="Knda" typeface="Tunga"/>
-        <a:font script="Guru" typeface="Raavi"/>
-        <a:font script="Cans" typeface="Euphemia"/>
-        <a:font script="Cher" typeface="Plantagenet Cherokee"/>
-        <a:font script="Yiii" typeface="Microsoft Yi Baiti"/>
-        <a:font script="Tibt" typeface="Microsoft Himalaya"/>
-        <a:font script="Thaa" typeface="MV Boli"/>
-        <a:font script="Deva" typeface="Mangal"/>
-        <a:font script="Telu" typeface="Gautami"/>
-        <a:font script="Taml" typeface="Latha"/>
-        <a:font script="Syrc" typeface="Estrangelo Edessa"/>
-        <a:font script="Orya" typeface="Kalinga"/>
-        <a:font script="Mlym" typeface="Kartika"/>
-        <a:font script="Laoo" typeface="DokChampa"/>
-        <a:font script="Sinh" typeface="Iskoola Pota"/>
-        <a:font script="Mong" typeface="Mongolian Baiti"/>
-        <a:font script="Viet" typeface="Times New Roman"/>
-        <a:font script="Uigh" typeface="Microsoft Uighur"/>
-        <a:font script="Geor" typeface="Sylfaen"/>
-      </a:majorFont>
-      <a:minorFont>
-        <a:latin typeface="Arial"/>
-        <a:ea typeface=""/>
-        <a:cs typeface=""/>
-        <a:font script="Jpan" typeface="ＭＳ Ｐゴシック"/>
-        <a:font script="Hang" typeface="맑은 고딕"/>
-        <a:font script="Hans" typeface="宋体"/>
-        <a:font script="Hant" typeface="新細明體"/>
-        <a:font script="Arab" typeface="Arial"/>
-        <a:font script="Hebr" typeface="Arial"/>
-        <a:font script="Thai" typeface="Cordia New"/>
-        <a:font script="Ethi" typeface="Nyala"/>
-        <a:font script="Beng" typeface="Vrinda"/>
-        <a:font script="Gujr" typeface="Shruti"/>
-        <a:font script="Khmr" typeface="DaunPenh"/>
-        <a:font script="Knda" typeface="Tunga"/>
-        <a:font script="Guru" typeface="Raavi"/>
-        <a:font script="Cans" typeface="Euphemia"/>
-        <a:font script="Cher" typeface="Plantagenet Cherokee"/>
-        <a:font script="Yiii" typeface="Microsoft Yi Baiti"/>
-        <a:font script="Tibt" typeface="Microsoft Himalaya"/>
-        <a:font script="Thaa" typeface="MV Boli"/>
-        <a:font script="Deva" typeface="Mangal"/>
-        <a:font script="Telu" typeface="Gautami"/>
-        <a:font script="Taml" typeface="Latha"/>
-        <a:font script="Syrc" typeface="Estrangelo Edessa"/>
-        <a:font script="Orya" typeface="Kalinga"/>
-        <a:font script="Mlym" typeface="Kartika"/>
-        <a:font script="Laoo" typeface="DokChampa"/>
-        <a:font script="Sinh" typeface="Iskoola Pota"/>
-        <a:font script="Mong" typeface="Mongolian Baiti"/>
-        <a:font script="Viet" typeface="Arial"/>
-        <a:font script="Uigh" typeface="Microsoft Uighur"/>
-        <a:font script="Geor" typeface="Sylfaen"/>
-      </a:minorFont>
-    </a:fontScheme>
-    <a:fmtScheme name="Office">
-      <a:fillStyleLst>
-        <a:solidFill>
-          <a:schemeClr val="phClr"/>
-        </a:solidFill>
-        <a:gradFill rotWithShape="1">
-          <a:gsLst>
-            <a:gs pos="0">
-              <a:schemeClr val="phClr">
-                <a:tint val="50000"/>
-                <a:satMod val="300000"/>
-              </a:schemeClr>
-            </a:gs>
-            <a:gs pos="35000">
-              <a:schemeClr val="phClr">
-                <a:tint val="37000"/>
-                <a:satMod val="300000"/>
-              </a:schemeClr>
-            </a:gs>
-            <a:gs pos="100000">
-              <a:schemeClr val="phClr">
-                <a:tint val="15000"/>
-                <a:satMod val="350000"/>
-              </a:schemeClr>
-            </a:gs>
-          </a:gsLst>
-          <a:lin ang="16200000" scaled="1"/>
-        </a:gradFill>
-        <a:gradFill rotWithShape="1">
-          <a:gsLst>
-            <a:gs pos="0">
-              <a:schemeClr val="phClr">
-                <a:tint val="100000"/>
-                <a:shade val="100000"/>
-                <a:satMod val="130000"/>
-              </a:schemeClr>
-            </a:gs>
-            <a:gs pos="100000">
-              <a:schemeClr val="phClr">
-                <a:tint val="50000"/>
-                <a:shade val="100000"/>
-                <a:satMod val="350000"/>
-              </a:schemeClr>
-            </a:gs>
-          </a:gsLst>
-          <a:lin ang="16200000" scaled="0"/>
-        </a:gradFill>
-      </a:fillStyleLst>
-      <a:lnStyleLst>
-        <a:ln w="9525" cap="flat" cmpd="sng" algn="ctr">
-          <a:solidFill>
-            <a:schemeClr val="phClr">
-              <a:shade val="95000"/>
-              <a:satMod val="105000"/>
-            </a:schemeClr>
-          </a:solidFill>
-          <a:prstDash val="solid"/>
-        </a:ln>
-        <a:ln w="25400" cap="flat" cmpd="sng" algn="ctr">
-          <a:solidFill>
-            <a:schemeClr val="phClr"/>
-          </a:solidFill>
-          <a:prstDash val="solid"/>
-        </a:ln>
-        <a:ln w="38100" cap="flat" cmpd="sng" algn="ctr">
-          <a:solidFill>
-            <a:schemeClr val="phClr"/>
-          </a:solidFill>
-          <a:prstDash val="solid"/>
-        </a:ln>
-      </a:lnStyleLst>
-      <a:effectStyleLst>
-        <a:effectStyle>
-          <a:effectLst>
-            <a:outerShdw blurRad="40000" dist="20000" dir="5400000" rotWithShape="0">
-              <a:srgbClr val="000000">
-                <a:alpha val="38000"/>
-              </a:srgbClr>
-            </a:outerShdw>
-          </a:effectLst>
-        </a:effectStyle>
-        <a:effectStyle>
-          <a:effectLst>
-            <a:outerShdw blurRad="40000" dist="23000" dir="5400000" rotWithShape="0">
-              <a:srgbClr val="000000">
-                <a:alpha val="35000"/>
-              </a:srgbClr>
-            </a:outerShdw>
-          </a:effectLst>
-        </a:effectStyle>
-        <a:effectStyle>
-          <a:effectLst>
-            <a:outerShdw blurRad="40000" dist="23000" dir="5400000" rotWithShape="0">
-              <a:srgbClr val="000000">
-                <a:alpha val="35000"/>
-              </a:srgbClr>
-            </a:outerShdw>
-          </a:effectLst>
-          <a:scene3d>
-            <a:camera prst="orthographicFront">
-              <a:rot lat="0" lon="0" rev="0"/>
-            </a:camera>
-            <a:lightRig rig="threePt" dir="t">
-              <a:rot lat="0" lon="0" rev="1200000"/>
-            </a:lightRig>
-          </a:scene3d>
-          <a:sp3d>
-            <a:bevelT w="63500" h="25400"/>
-          </a:sp3d>
-        </a:effectStyle>
-      </a:effectStyleLst>
-      <a:bgFillStyleLst>
-        <a:solidFill>
-          <a:schemeClr val="phClr"/>
-        </a:solidFill>
-        <a:gradFill rotWithShape="1">
-          <a:gsLst>
-            <a:gs pos="0">
-              <a:schemeClr val="phClr">
-                <a:tint val="40000"/>
-                <a:satMod val="350000"/>
-              </a:schemeClr>
-            </a:gs>
-            <a:gs pos="40000">
-              <a:schemeClr val="phClr">
-                <a:tint val="45000"/>
-                <a:shade val="99000"/>
-                <a:satMod val="350000"/>
-              </a:schemeClr>
-            </a:gs>
-            <a:gs pos="100000">
-              <a:schemeClr val="phClr">
-                <a:shade val="20000"/>
-                <a:satMod val="255000"/>
-              </a:schemeClr>
-            </a:gs>
-          </a:gsLst>
-          <a:path path="circle">
-            <a:fillToRect l="50000" t="-80000" r="50000" b="180000"/>
-          </a:path>
-        </a:gradFill>
-        <a:gradFill rotWithShape="1">
-          <a:gsLst>
-            <a:gs pos="0">
-              <a:schemeClr val="phClr">
-                <a:tint val="80000"/>
-                <a:satMod val="300000"/>
-              </a:schemeClr>
-            </a:gs>
-            <a:gs pos="100000">
-              <a:schemeClr val="phClr">
-                <a:shade val="30000"/>
-                <a:satMod val="200000"/>
-              </a:schemeClr>
-            </a:gs>
-          </a:gsLst>
-          <a:path path="circle">
-            <a:fillToRect l="50000" t="50000" r="50000" b="50000"/>
-          </a:path>
-        </a:gradFill>
-      </a:bgFillStyleLst>
-    </a:fmtScheme>
-  </a:themeElements>
-</a:theme>
 </file>